--- a/chinavis2022_survey/Images/imageandvideo.pptx
+++ b/chinavis2022_survey/Images/imageandvideo.pptx
@@ -2,18 +2,19 @@
 <file path=ppt/presentation.xml><?xml version="1.0" encoding="utf-8"?>
 <p:presentation xmlns:a="http://schemas.openxmlformats.org/drawingml/2006/main" xmlns:r="http://schemas.openxmlformats.org/officeDocument/2006/relationships" xmlns:p="http://schemas.openxmlformats.org/presentationml/2006/main" saveSubsetFonts="1">
   <p:sldMasterIdLst>
-    <p:sldMasterId id="2147483648" r:id="rId1"/>
+    <p:sldMasterId id="2147483684" r:id="rId1"/>
   </p:sldMasterIdLst>
   <p:sldIdLst>
     <p:sldId id="256" r:id="rId2"/>
+    <p:sldId id="257" r:id="rId3"/>
   </p:sldIdLst>
-  <p:sldSz cx="12192000" cy="6858000"/>
+  <p:sldSz cx="6840538" cy="6121400"/>
   <p:notesSz cx="6858000" cy="9144000"/>
   <p:defaultTextStyle>
     <a:defPPr>
-      <a:defRPr lang="zh-CN"/>
+      <a:defRPr lang="en-US"/>
     </a:defPPr>
-    <a:lvl1pPr marL="0" algn="l" defTabSz="914400" rtl="0" eaLnBrk="1" latinLnBrk="0" hangingPunct="1">
+    <a:lvl1pPr marL="0" algn="l" defTabSz="457200" rtl="0" eaLnBrk="1" latinLnBrk="0" hangingPunct="1">
       <a:defRPr sz="1800" kern="1200">
         <a:solidFill>
           <a:schemeClr val="tx1"/>
@@ -23,7 +24,7 @@
         <a:cs typeface="+mn-cs"/>
       </a:defRPr>
     </a:lvl1pPr>
-    <a:lvl2pPr marL="457200" algn="l" defTabSz="914400" rtl="0" eaLnBrk="1" latinLnBrk="0" hangingPunct="1">
+    <a:lvl2pPr marL="457200" algn="l" defTabSz="457200" rtl="0" eaLnBrk="1" latinLnBrk="0" hangingPunct="1">
       <a:defRPr sz="1800" kern="1200">
         <a:solidFill>
           <a:schemeClr val="tx1"/>
@@ -33,7 +34,7 @@
         <a:cs typeface="+mn-cs"/>
       </a:defRPr>
     </a:lvl2pPr>
-    <a:lvl3pPr marL="914400" algn="l" defTabSz="914400" rtl="0" eaLnBrk="1" latinLnBrk="0" hangingPunct="1">
+    <a:lvl3pPr marL="914400" algn="l" defTabSz="457200" rtl="0" eaLnBrk="1" latinLnBrk="0" hangingPunct="1">
       <a:defRPr sz="1800" kern="1200">
         <a:solidFill>
           <a:schemeClr val="tx1"/>
@@ -43,7 +44,7 @@
         <a:cs typeface="+mn-cs"/>
       </a:defRPr>
     </a:lvl3pPr>
-    <a:lvl4pPr marL="1371600" algn="l" defTabSz="914400" rtl="0" eaLnBrk="1" latinLnBrk="0" hangingPunct="1">
+    <a:lvl4pPr marL="1371600" algn="l" defTabSz="457200" rtl="0" eaLnBrk="1" latinLnBrk="0" hangingPunct="1">
       <a:defRPr sz="1800" kern="1200">
         <a:solidFill>
           <a:schemeClr val="tx1"/>
@@ -53,7 +54,7 @@
         <a:cs typeface="+mn-cs"/>
       </a:defRPr>
     </a:lvl4pPr>
-    <a:lvl5pPr marL="1828800" algn="l" defTabSz="914400" rtl="0" eaLnBrk="1" latinLnBrk="0" hangingPunct="1">
+    <a:lvl5pPr marL="1828800" algn="l" defTabSz="457200" rtl="0" eaLnBrk="1" latinLnBrk="0" hangingPunct="1">
       <a:defRPr sz="1800" kern="1200">
         <a:solidFill>
           <a:schemeClr val="tx1"/>
@@ -63,7 +64,7 @@
         <a:cs typeface="+mn-cs"/>
       </a:defRPr>
     </a:lvl5pPr>
-    <a:lvl6pPr marL="2286000" algn="l" defTabSz="914400" rtl="0" eaLnBrk="1" latinLnBrk="0" hangingPunct="1">
+    <a:lvl6pPr marL="2286000" algn="l" defTabSz="457200" rtl="0" eaLnBrk="1" latinLnBrk="0" hangingPunct="1">
       <a:defRPr sz="1800" kern="1200">
         <a:solidFill>
           <a:schemeClr val="tx1"/>
@@ -73,7 +74,7 @@
         <a:cs typeface="+mn-cs"/>
       </a:defRPr>
     </a:lvl6pPr>
-    <a:lvl7pPr marL="2743200" algn="l" defTabSz="914400" rtl="0" eaLnBrk="1" latinLnBrk="0" hangingPunct="1">
+    <a:lvl7pPr marL="2743200" algn="l" defTabSz="457200" rtl="0" eaLnBrk="1" latinLnBrk="0" hangingPunct="1">
       <a:defRPr sz="1800" kern="1200">
         <a:solidFill>
           <a:schemeClr val="tx1"/>
@@ -83,7 +84,7 @@
         <a:cs typeface="+mn-cs"/>
       </a:defRPr>
     </a:lvl7pPr>
-    <a:lvl8pPr marL="3200400" algn="l" defTabSz="914400" rtl="0" eaLnBrk="1" latinLnBrk="0" hangingPunct="1">
+    <a:lvl8pPr marL="3200400" algn="l" defTabSz="457200" rtl="0" eaLnBrk="1" latinLnBrk="0" hangingPunct="1">
       <a:defRPr sz="1800" kern="1200">
         <a:solidFill>
           <a:schemeClr val="tx1"/>
@@ -93,7 +94,7 @@
         <a:cs typeface="+mn-cs"/>
       </a:defRPr>
     </a:lvl8pPr>
-    <a:lvl9pPr marL="3657600" algn="l" defTabSz="914400" rtl="0" eaLnBrk="1" latinLnBrk="0" hangingPunct="1">
+    <a:lvl9pPr marL="3657600" algn="l" defTabSz="457200" rtl="0" eaLnBrk="1" latinLnBrk="0" hangingPunct="1">
       <a:defRPr sz="1800" kern="1200">
         <a:solidFill>
           <a:schemeClr val="tx1"/>
@@ -104,6 +105,11 @@
       </a:defRPr>
     </a:lvl9pPr>
   </p:defaultTextStyle>
+  <p:extLst>
+    <p:ext uri="{EFAFB233-063F-42B5-8137-9DF3F51BA10A}">
+      <p15:sldGuideLst xmlns:p15="http://schemas.microsoft.com/office/powerpoint/2012/main"/>
+    </p:ext>
+  </p:extLst>
 </p:presentation>
 </file>
 
@@ -126,13 +132,7 @@
       </p:grpSpPr>
       <p:sp>
         <p:nvSpPr>
-          <p:cNvPr id="2" name="标题 1">
-            <a:extLst>
-              <a:ext uri="{FF2B5EF4-FFF2-40B4-BE49-F238E27FC236}">
-                <a16:creationId xmlns:a16="http://schemas.microsoft.com/office/drawing/2014/main" id="{755A0139-D48A-F580-3926-AE4BBFE56653}"/>
-              </a:ext>
-            </a:extLst>
-          </p:cNvPr>
+          <p:cNvPr id="2" name="Title 1"/>
           <p:cNvSpPr>
             <a:spLocks noGrp="1"/>
           </p:cNvSpPr>
@@ -142,15 +142,15 @@
         </p:nvSpPr>
         <p:spPr>
           <a:xfrm>
-            <a:off x="1524000" y="1122363"/>
-            <a:ext cx="9144000" cy="2387600"/>
+            <a:off x="513041" y="1001813"/>
+            <a:ext cx="5814457" cy="2131154"/>
           </a:xfrm>
         </p:spPr>
         <p:txBody>
           <a:bodyPr anchor="b"/>
           <a:lstStyle>
             <a:lvl1pPr algn="ctr">
-              <a:defRPr sz="6000"/>
+              <a:defRPr sz="4489"/>
             </a:lvl1pPr>
           </a:lstStyle>
           <a:p>
@@ -158,18 +158,13 @@
               <a:rPr lang="zh-CN" altLang="en-US"/>
               <a:t>单击此处编辑母版标题样式</a:t>
             </a:r>
-          </a:p>
-        </p:txBody>
-      </p:sp>
-      <p:sp>
-        <p:nvSpPr>
-          <p:cNvPr id="3" name="副标题 2">
-            <a:extLst>
-              <a:ext uri="{FF2B5EF4-FFF2-40B4-BE49-F238E27FC236}">
-                <a16:creationId xmlns:a16="http://schemas.microsoft.com/office/drawing/2014/main" id="{728DE73A-C61B-8153-FB98-B62FF3E74CF6}"/>
-              </a:ext>
-            </a:extLst>
-          </p:cNvPr>
+            <a:endParaRPr lang="en-US" dirty="0"/>
+          </a:p>
+        </p:txBody>
+      </p:sp>
+      <p:sp>
+        <p:nvSpPr>
+          <p:cNvPr id="3" name="Subtitle 2"/>
           <p:cNvSpPr>
             <a:spLocks noGrp="1"/>
           </p:cNvSpPr>
@@ -179,8 +174,8 @@
         </p:nvSpPr>
         <p:spPr>
           <a:xfrm>
-            <a:off x="1524000" y="3602038"/>
-            <a:ext cx="9144000" cy="1655762"/>
+            <a:off x="855067" y="3215152"/>
+            <a:ext cx="5130404" cy="1477921"/>
           </a:xfrm>
         </p:spPr>
         <p:txBody>
@@ -188,39 +183,39 @@
           <a:lstStyle>
             <a:lvl1pPr marL="0" indent="0" algn="ctr">
               <a:buNone/>
-              <a:defRPr sz="2400"/>
+              <a:defRPr sz="1795"/>
             </a:lvl1pPr>
-            <a:lvl2pPr marL="457200" indent="0" algn="ctr">
-              <a:buNone/>
-              <a:defRPr sz="2000"/>
+            <a:lvl2pPr marL="342031" indent="0" algn="ctr">
+              <a:buNone/>
+              <a:defRPr sz="1496"/>
             </a:lvl2pPr>
-            <a:lvl3pPr marL="914400" indent="0" algn="ctr">
-              <a:buNone/>
-              <a:defRPr sz="1800"/>
+            <a:lvl3pPr marL="684063" indent="0" algn="ctr">
+              <a:buNone/>
+              <a:defRPr sz="1347"/>
             </a:lvl3pPr>
-            <a:lvl4pPr marL="1371600" indent="0" algn="ctr">
-              <a:buNone/>
-              <a:defRPr sz="1600"/>
+            <a:lvl4pPr marL="1026094" indent="0" algn="ctr">
+              <a:buNone/>
+              <a:defRPr sz="1197"/>
             </a:lvl4pPr>
-            <a:lvl5pPr marL="1828800" indent="0" algn="ctr">
-              <a:buNone/>
-              <a:defRPr sz="1600"/>
+            <a:lvl5pPr marL="1368125" indent="0" algn="ctr">
+              <a:buNone/>
+              <a:defRPr sz="1197"/>
             </a:lvl5pPr>
-            <a:lvl6pPr marL="2286000" indent="0" algn="ctr">
-              <a:buNone/>
-              <a:defRPr sz="1600"/>
+            <a:lvl6pPr marL="1710157" indent="0" algn="ctr">
+              <a:buNone/>
+              <a:defRPr sz="1197"/>
             </a:lvl6pPr>
-            <a:lvl7pPr marL="2743200" indent="0" algn="ctr">
-              <a:buNone/>
-              <a:defRPr sz="1600"/>
+            <a:lvl7pPr marL="2052188" indent="0" algn="ctr">
+              <a:buNone/>
+              <a:defRPr sz="1197"/>
             </a:lvl7pPr>
-            <a:lvl8pPr marL="3200400" indent="0" algn="ctr">
-              <a:buNone/>
-              <a:defRPr sz="1600"/>
+            <a:lvl8pPr marL="2394219" indent="0" algn="ctr">
+              <a:buNone/>
+              <a:defRPr sz="1197"/>
             </a:lvl8pPr>
-            <a:lvl9pPr marL="3657600" indent="0" algn="ctr">
-              <a:buNone/>
-              <a:defRPr sz="1600"/>
+            <a:lvl9pPr marL="2736251" indent="0" algn="ctr">
+              <a:buNone/>
+              <a:defRPr sz="1197"/>
             </a:lvl9pPr>
           </a:lstStyle>
           <a:p>
@@ -228,18 +223,13 @@
               <a:rPr lang="zh-CN" altLang="en-US"/>
               <a:t>单击此处编辑母版副标题样式</a:t>
             </a:r>
-          </a:p>
-        </p:txBody>
-      </p:sp>
-      <p:sp>
-        <p:nvSpPr>
-          <p:cNvPr id="4" name="日期占位符 3">
-            <a:extLst>
-              <a:ext uri="{FF2B5EF4-FFF2-40B4-BE49-F238E27FC236}">
-                <a16:creationId xmlns:a16="http://schemas.microsoft.com/office/drawing/2014/main" id="{1A8D7366-A82E-7A5F-8A5B-E86682AA7C6B}"/>
-              </a:ext>
-            </a:extLst>
-          </p:cNvPr>
+            <a:endParaRPr lang="en-US" dirty="0"/>
+          </a:p>
+        </p:txBody>
+      </p:sp>
+      <p:sp>
+        <p:nvSpPr>
+          <p:cNvPr id="4" name="Date Placeholder 3"/>
           <p:cNvSpPr>
             <a:spLocks noGrp="1"/>
           </p:cNvSpPr>
@@ -254,7 +244,7 @@
           <a:p>
             <a:fld id="{7C19D40C-AEA0-42EF-A163-0BB90F9850AA}" type="datetimeFigureOut">
               <a:rPr lang="zh-CN" altLang="en-US" smtClean="0"/>
-              <a:t>2022/5/7</a:t>
+              <a:t>2022/5/9</a:t>
             </a:fld>
             <a:endParaRPr lang="zh-CN" altLang="en-US"/>
           </a:p>
@@ -262,13 +252,7 @@
       </p:sp>
       <p:sp>
         <p:nvSpPr>
-          <p:cNvPr id="5" name="页脚占位符 4">
-            <a:extLst>
-              <a:ext uri="{FF2B5EF4-FFF2-40B4-BE49-F238E27FC236}">
-                <a16:creationId xmlns:a16="http://schemas.microsoft.com/office/drawing/2014/main" id="{BEF3E6C6-2E23-C916-B86A-77274FC9600C}"/>
-              </a:ext>
-            </a:extLst>
-          </p:cNvPr>
+          <p:cNvPr id="5" name="Footer Placeholder 4"/>
           <p:cNvSpPr>
             <a:spLocks noGrp="1"/>
           </p:cNvSpPr>
@@ -287,13 +271,7 @@
       </p:sp>
       <p:sp>
         <p:nvSpPr>
-          <p:cNvPr id="6" name="灯片编号占位符 5">
-            <a:extLst>
-              <a:ext uri="{FF2B5EF4-FFF2-40B4-BE49-F238E27FC236}">
-                <a16:creationId xmlns:a16="http://schemas.microsoft.com/office/drawing/2014/main" id="{B45B4818-78DA-4C41-E146-6890A11F343F}"/>
-              </a:ext>
-            </a:extLst>
-          </p:cNvPr>
+          <p:cNvPr id="6" name="Slide Number Placeholder 5"/>
           <p:cNvSpPr>
             <a:spLocks noGrp="1"/>
           </p:cNvSpPr>
@@ -317,7 +295,7 @@
     </p:spTree>
     <p:extLst>
       <p:ext uri="{BB962C8B-B14F-4D97-AF65-F5344CB8AC3E}">
-        <p14:creationId xmlns:p14="http://schemas.microsoft.com/office/powerpoint/2010/main" val="1975676741"/>
+        <p14:creationId xmlns:p14="http://schemas.microsoft.com/office/powerpoint/2010/main" val="1647194688"/>
       </p:ext>
     </p:extLst>
   </p:cSld>
@@ -346,13 +324,7 @@
       </p:grpSpPr>
       <p:sp>
         <p:nvSpPr>
-          <p:cNvPr id="2" name="标题 1">
-            <a:extLst>
-              <a:ext uri="{FF2B5EF4-FFF2-40B4-BE49-F238E27FC236}">
-                <a16:creationId xmlns:a16="http://schemas.microsoft.com/office/drawing/2014/main" id="{AC7AA70C-8CD7-C39E-3F7E-30C742BB202F}"/>
-              </a:ext>
-            </a:extLst>
-          </p:cNvPr>
+          <p:cNvPr id="2" name="Title 1"/>
           <p:cNvSpPr>
             <a:spLocks noGrp="1"/>
           </p:cNvSpPr>
@@ -369,18 +341,13 @@
               <a:rPr lang="zh-CN" altLang="en-US"/>
               <a:t>单击此处编辑母版标题样式</a:t>
             </a:r>
-          </a:p>
-        </p:txBody>
-      </p:sp>
-      <p:sp>
-        <p:nvSpPr>
-          <p:cNvPr id="3" name="竖排文字占位符 2">
-            <a:extLst>
-              <a:ext uri="{FF2B5EF4-FFF2-40B4-BE49-F238E27FC236}">
-                <a16:creationId xmlns:a16="http://schemas.microsoft.com/office/drawing/2014/main" id="{E9EF0512-5AF1-D8A3-1DDD-C1A467EBC167}"/>
-              </a:ext>
-            </a:extLst>
-          </p:cNvPr>
+            <a:endParaRPr lang="en-US" dirty="0"/>
+          </a:p>
+        </p:txBody>
+      </p:sp>
+      <p:sp>
+        <p:nvSpPr>
+          <p:cNvPr id="3" name="Vertical Text Placeholder 2"/>
           <p:cNvSpPr>
             <a:spLocks noGrp="1"/>
           </p:cNvSpPr>
@@ -426,18 +393,13 @@
               <a:rPr lang="zh-CN" altLang="en-US"/>
               <a:t>五级</a:t>
             </a:r>
-          </a:p>
-        </p:txBody>
-      </p:sp>
-      <p:sp>
-        <p:nvSpPr>
-          <p:cNvPr id="4" name="日期占位符 3">
-            <a:extLst>
-              <a:ext uri="{FF2B5EF4-FFF2-40B4-BE49-F238E27FC236}">
-                <a16:creationId xmlns:a16="http://schemas.microsoft.com/office/drawing/2014/main" id="{F47E2EF8-7F7E-6C65-43C6-23284BF9AA47}"/>
-              </a:ext>
-            </a:extLst>
-          </p:cNvPr>
+            <a:endParaRPr lang="en-US" dirty="0"/>
+          </a:p>
+        </p:txBody>
+      </p:sp>
+      <p:sp>
+        <p:nvSpPr>
+          <p:cNvPr id="4" name="Date Placeholder 3"/>
           <p:cNvSpPr>
             <a:spLocks noGrp="1"/>
           </p:cNvSpPr>
@@ -452,7 +414,7 @@
           <a:p>
             <a:fld id="{7C19D40C-AEA0-42EF-A163-0BB90F9850AA}" type="datetimeFigureOut">
               <a:rPr lang="zh-CN" altLang="en-US" smtClean="0"/>
-              <a:t>2022/5/7</a:t>
+              <a:t>2022/5/9</a:t>
             </a:fld>
             <a:endParaRPr lang="zh-CN" altLang="en-US"/>
           </a:p>
@@ -460,13 +422,7 @@
       </p:sp>
       <p:sp>
         <p:nvSpPr>
-          <p:cNvPr id="5" name="页脚占位符 4">
-            <a:extLst>
-              <a:ext uri="{FF2B5EF4-FFF2-40B4-BE49-F238E27FC236}">
-                <a16:creationId xmlns:a16="http://schemas.microsoft.com/office/drawing/2014/main" id="{2A81ED5E-D6C5-D30F-CDA3-C7732CC0CEE9}"/>
-              </a:ext>
-            </a:extLst>
-          </p:cNvPr>
+          <p:cNvPr id="5" name="Footer Placeholder 4"/>
           <p:cNvSpPr>
             <a:spLocks noGrp="1"/>
           </p:cNvSpPr>
@@ -485,13 +441,7 @@
       </p:sp>
       <p:sp>
         <p:nvSpPr>
-          <p:cNvPr id="6" name="灯片编号占位符 5">
-            <a:extLst>
-              <a:ext uri="{FF2B5EF4-FFF2-40B4-BE49-F238E27FC236}">
-                <a16:creationId xmlns:a16="http://schemas.microsoft.com/office/drawing/2014/main" id="{1B5173F7-20DE-7F2A-72A6-A03493FB0CC0}"/>
-              </a:ext>
-            </a:extLst>
-          </p:cNvPr>
+          <p:cNvPr id="6" name="Slide Number Placeholder 5"/>
           <p:cNvSpPr>
             <a:spLocks noGrp="1"/>
           </p:cNvSpPr>
@@ -515,7 +465,7 @@
     </p:spTree>
     <p:extLst>
       <p:ext uri="{BB962C8B-B14F-4D97-AF65-F5344CB8AC3E}">
-        <p14:creationId xmlns:p14="http://schemas.microsoft.com/office/powerpoint/2010/main" val="346346508"/>
+        <p14:creationId xmlns:p14="http://schemas.microsoft.com/office/powerpoint/2010/main" val="2813817051"/>
       </p:ext>
     </p:extLst>
   </p:cSld>
@@ -544,13 +494,7 @@
       </p:grpSpPr>
       <p:sp>
         <p:nvSpPr>
-          <p:cNvPr id="2" name="竖排标题 1">
-            <a:extLst>
-              <a:ext uri="{FF2B5EF4-FFF2-40B4-BE49-F238E27FC236}">
-                <a16:creationId xmlns:a16="http://schemas.microsoft.com/office/drawing/2014/main" id="{202A6AFA-96AD-A909-574D-64C87CF7C31D}"/>
-              </a:ext>
-            </a:extLst>
-          </p:cNvPr>
+          <p:cNvPr id="2" name="Vertical Title 1"/>
           <p:cNvSpPr>
             <a:spLocks noGrp="1"/>
           </p:cNvSpPr>
@@ -560,8 +504,8 @@
         </p:nvSpPr>
         <p:spPr>
           <a:xfrm>
-            <a:off x="8724900" y="365125"/>
-            <a:ext cx="2628900" cy="5811838"/>
+            <a:off x="4895260" y="325908"/>
+            <a:ext cx="1474991" cy="5187604"/>
           </a:xfrm>
         </p:spPr>
         <p:txBody>
@@ -572,18 +516,13 @@
               <a:rPr lang="zh-CN" altLang="en-US"/>
               <a:t>单击此处编辑母版标题样式</a:t>
             </a:r>
-          </a:p>
-        </p:txBody>
-      </p:sp>
-      <p:sp>
-        <p:nvSpPr>
-          <p:cNvPr id="3" name="竖排文字占位符 2">
-            <a:extLst>
-              <a:ext uri="{FF2B5EF4-FFF2-40B4-BE49-F238E27FC236}">
-                <a16:creationId xmlns:a16="http://schemas.microsoft.com/office/drawing/2014/main" id="{D962A21C-A5CD-5D64-BDD5-D36979FCB71C}"/>
-              </a:ext>
-            </a:extLst>
-          </p:cNvPr>
+            <a:endParaRPr lang="en-US" dirty="0"/>
+          </a:p>
+        </p:txBody>
+      </p:sp>
+      <p:sp>
+        <p:nvSpPr>
+          <p:cNvPr id="3" name="Vertical Text Placeholder 2"/>
           <p:cNvSpPr>
             <a:spLocks noGrp="1"/>
           </p:cNvSpPr>
@@ -593,8 +532,8 @@
         </p:nvSpPr>
         <p:spPr>
           <a:xfrm>
-            <a:off x="838200" y="365125"/>
-            <a:ext cx="7734300" cy="5811838"/>
+            <a:off x="470288" y="325908"/>
+            <a:ext cx="4339466" cy="5187604"/>
           </a:xfrm>
         </p:spPr>
         <p:txBody>
@@ -634,18 +573,13 @@
               <a:rPr lang="zh-CN" altLang="en-US"/>
               <a:t>五级</a:t>
             </a:r>
-          </a:p>
-        </p:txBody>
-      </p:sp>
-      <p:sp>
-        <p:nvSpPr>
-          <p:cNvPr id="4" name="日期占位符 3">
-            <a:extLst>
-              <a:ext uri="{FF2B5EF4-FFF2-40B4-BE49-F238E27FC236}">
-                <a16:creationId xmlns:a16="http://schemas.microsoft.com/office/drawing/2014/main" id="{6E965362-8A4E-AAE3-5933-74E28E6CF473}"/>
-              </a:ext>
-            </a:extLst>
-          </p:cNvPr>
+            <a:endParaRPr lang="en-US" dirty="0"/>
+          </a:p>
+        </p:txBody>
+      </p:sp>
+      <p:sp>
+        <p:nvSpPr>
+          <p:cNvPr id="4" name="Date Placeholder 3"/>
           <p:cNvSpPr>
             <a:spLocks noGrp="1"/>
           </p:cNvSpPr>
@@ -660,7 +594,7 @@
           <a:p>
             <a:fld id="{7C19D40C-AEA0-42EF-A163-0BB90F9850AA}" type="datetimeFigureOut">
               <a:rPr lang="zh-CN" altLang="en-US" smtClean="0"/>
-              <a:t>2022/5/7</a:t>
+              <a:t>2022/5/9</a:t>
             </a:fld>
             <a:endParaRPr lang="zh-CN" altLang="en-US"/>
           </a:p>
@@ -668,13 +602,7 @@
       </p:sp>
       <p:sp>
         <p:nvSpPr>
-          <p:cNvPr id="5" name="页脚占位符 4">
-            <a:extLst>
-              <a:ext uri="{FF2B5EF4-FFF2-40B4-BE49-F238E27FC236}">
-                <a16:creationId xmlns:a16="http://schemas.microsoft.com/office/drawing/2014/main" id="{063A0C2D-CBC3-632B-F9EA-CEE763AC24B6}"/>
-              </a:ext>
-            </a:extLst>
-          </p:cNvPr>
+          <p:cNvPr id="5" name="Footer Placeholder 4"/>
           <p:cNvSpPr>
             <a:spLocks noGrp="1"/>
           </p:cNvSpPr>
@@ -693,13 +621,7 @@
       </p:sp>
       <p:sp>
         <p:nvSpPr>
-          <p:cNvPr id="6" name="灯片编号占位符 5">
-            <a:extLst>
-              <a:ext uri="{FF2B5EF4-FFF2-40B4-BE49-F238E27FC236}">
-                <a16:creationId xmlns:a16="http://schemas.microsoft.com/office/drawing/2014/main" id="{75B32F73-E4B4-2283-470A-78869DA1DFFB}"/>
-              </a:ext>
-            </a:extLst>
-          </p:cNvPr>
+          <p:cNvPr id="6" name="Slide Number Placeholder 5"/>
           <p:cNvSpPr>
             <a:spLocks noGrp="1"/>
           </p:cNvSpPr>
@@ -723,7 +645,7 @@
     </p:spTree>
     <p:extLst>
       <p:ext uri="{BB962C8B-B14F-4D97-AF65-F5344CB8AC3E}">
-        <p14:creationId xmlns:p14="http://schemas.microsoft.com/office/powerpoint/2010/main" val="4002138996"/>
+        <p14:creationId xmlns:p14="http://schemas.microsoft.com/office/powerpoint/2010/main" val="2053801581"/>
       </p:ext>
     </p:extLst>
   </p:cSld>
@@ -752,13 +674,7 @@
       </p:grpSpPr>
       <p:sp>
         <p:nvSpPr>
-          <p:cNvPr id="2" name="标题 1">
-            <a:extLst>
-              <a:ext uri="{FF2B5EF4-FFF2-40B4-BE49-F238E27FC236}">
-                <a16:creationId xmlns:a16="http://schemas.microsoft.com/office/drawing/2014/main" id="{E60903A8-D4B0-3788-E7C1-D43681E007C8}"/>
-              </a:ext>
-            </a:extLst>
-          </p:cNvPr>
+          <p:cNvPr id="2" name="Title 1"/>
           <p:cNvSpPr>
             <a:spLocks noGrp="1"/>
           </p:cNvSpPr>
@@ -775,18 +691,13 @@
               <a:rPr lang="zh-CN" altLang="en-US"/>
               <a:t>单击此处编辑母版标题样式</a:t>
             </a:r>
-          </a:p>
-        </p:txBody>
-      </p:sp>
-      <p:sp>
-        <p:nvSpPr>
-          <p:cNvPr id="3" name="内容占位符 2">
-            <a:extLst>
-              <a:ext uri="{FF2B5EF4-FFF2-40B4-BE49-F238E27FC236}">
-                <a16:creationId xmlns:a16="http://schemas.microsoft.com/office/drawing/2014/main" id="{8DF0A45C-0529-1D94-C7E1-3BA656B4BABC}"/>
-              </a:ext>
-            </a:extLst>
-          </p:cNvPr>
+            <a:endParaRPr lang="en-US" dirty="0"/>
+          </a:p>
+        </p:txBody>
+      </p:sp>
+      <p:sp>
+        <p:nvSpPr>
+          <p:cNvPr id="3" name="Content Placeholder 2"/>
           <p:cNvSpPr>
             <a:spLocks noGrp="1"/>
           </p:cNvSpPr>
@@ -832,18 +743,13 @@
               <a:rPr lang="zh-CN" altLang="en-US"/>
               <a:t>五级</a:t>
             </a:r>
-          </a:p>
-        </p:txBody>
-      </p:sp>
-      <p:sp>
-        <p:nvSpPr>
-          <p:cNvPr id="4" name="日期占位符 3">
-            <a:extLst>
-              <a:ext uri="{FF2B5EF4-FFF2-40B4-BE49-F238E27FC236}">
-                <a16:creationId xmlns:a16="http://schemas.microsoft.com/office/drawing/2014/main" id="{36C6D8F1-80CA-8B7A-322B-BB6A49514DD1}"/>
-              </a:ext>
-            </a:extLst>
-          </p:cNvPr>
+            <a:endParaRPr lang="en-US" dirty="0"/>
+          </a:p>
+        </p:txBody>
+      </p:sp>
+      <p:sp>
+        <p:nvSpPr>
+          <p:cNvPr id="4" name="Date Placeholder 3"/>
           <p:cNvSpPr>
             <a:spLocks noGrp="1"/>
           </p:cNvSpPr>
@@ -858,7 +764,7 @@
           <a:p>
             <a:fld id="{7C19D40C-AEA0-42EF-A163-0BB90F9850AA}" type="datetimeFigureOut">
               <a:rPr lang="zh-CN" altLang="en-US" smtClean="0"/>
-              <a:t>2022/5/7</a:t>
+              <a:t>2022/5/9</a:t>
             </a:fld>
             <a:endParaRPr lang="zh-CN" altLang="en-US"/>
           </a:p>
@@ -866,13 +772,7 @@
       </p:sp>
       <p:sp>
         <p:nvSpPr>
-          <p:cNvPr id="5" name="页脚占位符 4">
-            <a:extLst>
-              <a:ext uri="{FF2B5EF4-FFF2-40B4-BE49-F238E27FC236}">
-                <a16:creationId xmlns:a16="http://schemas.microsoft.com/office/drawing/2014/main" id="{DCD2FF3E-849A-4F8B-CEE2-D5B7430C60AD}"/>
-              </a:ext>
-            </a:extLst>
-          </p:cNvPr>
+          <p:cNvPr id="5" name="Footer Placeholder 4"/>
           <p:cNvSpPr>
             <a:spLocks noGrp="1"/>
           </p:cNvSpPr>
@@ -891,13 +791,7 @@
       </p:sp>
       <p:sp>
         <p:nvSpPr>
-          <p:cNvPr id="6" name="灯片编号占位符 5">
-            <a:extLst>
-              <a:ext uri="{FF2B5EF4-FFF2-40B4-BE49-F238E27FC236}">
-                <a16:creationId xmlns:a16="http://schemas.microsoft.com/office/drawing/2014/main" id="{C75F64AA-6395-20DA-6817-491F75BFF5C6}"/>
-              </a:ext>
-            </a:extLst>
-          </p:cNvPr>
+          <p:cNvPr id="6" name="Slide Number Placeholder 5"/>
           <p:cNvSpPr>
             <a:spLocks noGrp="1"/>
           </p:cNvSpPr>
@@ -921,7 +815,7 @@
     </p:spTree>
     <p:extLst>
       <p:ext uri="{BB962C8B-B14F-4D97-AF65-F5344CB8AC3E}">
-        <p14:creationId xmlns:p14="http://schemas.microsoft.com/office/powerpoint/2010/main" val="770610936"/>
+        <p14:creationId xmlns:p14="http://schemas.microsoft.com/office/powerpoint/2010/main" val="3987260838"/>
       </p:ext>
     </p:extLst>
   </p:cSld>
@@ -950,13 +844,7 @@
       </p:grpSpPr>
       <p:sp>
         <p:nvSpPr>
-          <p:cNvPr id="2" name="标题 1">
-            <a:extLst>
-              <a:ext uri="{FF2B5EF4-FFF2-40B4-BE49-F238E27FC236}">
-                <a16:creationId xmlns:a16="http://schemas.microsoft.com/office/drawing/2014/main" id="{6F30A2D8-54FE-4CBB-135D-3BD5094CE6FB}"/>
-              </a:ext>
-            </a:extLst>
-          </p:cNvPr>
+          <p:cNvPr id="2" name="Title 1"/>
           <p:cNvSpPr>
             <a:spLocks noGrp="1"/>
           </p:cNvSpPr>
@@ -966,15 +854,15 @@
         </p:nvSpPr>
         <p:spPr>
           <a:xfrm>
-            <a:off x="831850" y="1709738"/>
-            <a:ext cx="10515600" cy="2852737"/>
+            <a:off x="466725" y="1526101"/>
+            <a:ext cx="5899964" cy="2546332"/>
           </a:xfrm>
         </p:spPr>
         <p:txBody>
           <a:bodyPr anchor="b"/>
           <a:lstStyle>
             <a:lvl1pPr>
-              <a:defRPr sz="6000"/>
+              <a:defRPr sz="4489"/>
             </a:lvl1pPr>
           </a:lstStyle>
           <a:p>
@@ -982,18 +870,13 @@
               <a:rPr lang="zh-CN" altLang="en-US"/>
               <a:t>单击此处编辑母版标题样式</a:t>
             </a:r>
-          </a:p>
-        </p:txBody>
-      </p:sp>
-      <p:sp>
-        <p:nvSpPr>
-          <p:cNvPr id="3" name="文本占位符 2">
-            <a:extLst>
-              <a:ext uri="{FF2B5EF4-FFF2-40B4-BE49-F238E27FC236}">
-                <a16:creationId xmlns:a16="http://schemas.microsoft.com/office/drawing/2014/main" id="{CA3E6815-22C8-6E7A-21F4-AF4FB516E3BA}"/>
-              </a:ext>
-            </a:extLst>
-          </p:cNvPr>
+            <a:endParaRPr lang="en-US" dirty="0"/>
+          </a:p>
+        </p:txBody>
+      </p:sp>
+      <p:sp>
+        <p:nvSpPr>
+          <p:cNvPr id="3" name="Text Placeholder 2"/>
           <p:cNvSpPr>
             <a:spLocks noGrp="1"/>
           </p:cNvSpPr>
@@ -1003,8 +886,8 @@
         </p:nvSpPr>
         <p:spPr>
           <a:xfrm>
-            <a:off x="831850" y="4589463"/>
-            <a:ext cx="10515600" cy="1500187"/>
+            <a:off x="466725" y="4096522"/>
+            <a:ext cx="5899964" cy="1339056"/>
           </a:xfrm>
         </p:spPr>
         <p:txBody>
@@ -1012,17 +895,15 @@
           <a:lstStyle>
             <a:lvl1pPr marL="0" indent="0">
               <a:buNone/>
-              <a:defRPr sz="2400">
+              <a:defRPr sz="1795">
                 <a:solidFill>
-                  <a:schemeClr val="tx1">
-                    <a:tint val="75000"/>
-                  </a:schemeClr>
+                  <a:schemeClr val="tx1"/>
                 </a:solidFill>
               </a:defRPr>
             </a:lvl1pPr>
-            <a:lvl2pPr marL="457200" indent="0">
-              <a:buNone/>
-              <a:defRPr sz="2000">
+            <a:lvl2pPr marL="342031" indent="0">
+              <a:buNone/>
+              <a:defRPr sz="1496">
                 <a:solidFill>
                   <a:schemeClr val="tx1">
                     <a:tint val="75000"/>
@@ -1030,9 +911,9 @@
                 </a:solidFill>
               </a:defRPr>
             </a:lvl2pPr>
-            <a:lvl3pPr marL="914400" indent="0">
-              <a:buNone/>
-              <a:defRPr sz="1800">
+            <a:lvl3pPr marL="684063" indent="0">
+              <a:buNone/>
+              <a:defRPr sz="1347">
                 <a:solidFill>
                   <a:schemeClr val="tx1">
                     <a:tint val="75000"/>
@@ -1040,9 +921,9 @@
                 </a:solidFill>
               </a:defRPr>
             </a:lvl3pPr>
-            <a:lvl4pPr marL="1371600" indent="0">
-              <a:buNone/>
-              <a:defRPr sz="1600">
+            <a:lvl4pPr marL="1026094" indent="0">
+              <a:buNone/>
+              <a:defRPr sz="1197">
                 <a:solidFill>
                   <a:schemeClr val="tx1">
                     <a:tint val="75000"/>
@@ -1050,9 +931,9 @@
                 </a:solidFill>
               </a:defRPr>
             </a:lvl4pPr>
-            <a:lvl5pPr marL="1828800" indent="0">
-              <a:buNone/>
-              <a:defRPr sz="1600">
+            <a:lvl5pPr marL="1368125" indent="0">
+              <a:buNone/>
+              <a:defRPr sz="1197">
                 <a:solidFill>
                   <a:schemeClr val="tx1">
                     <a:tint val="75000"/>
@@ -1060,9 +941,9 @@
                 </a:solidFill>
               </a:defRPr>
             </a:lvl5pPr>
-            <a:lvl6pPr marL="2286000" indent="0">
-              <a:buNone/>
-              <a:defRPr sz="1600">
+            <a:lvl6pPr marL="1710157" indent="0">
+              <a:buNone/>
+              <a:defRPr sz="1197">
                 <a:solidFill>
                   <a:schemeClr val="tx1">
                     <a:tint val="75000"/>
@@ -1070,9 +951,9 @@
                 </a:solidFill>
               </a:defRPr>
             </a:lvl6pPr>
-            <a:lvl7pPr marL="2743200" indent="0">
-              <a:buNone/>
-              <a:defRPr sz="1600">
+            <a:lvl7pPr marL="2052188" indent="0">
+              <a:buNone/>
+              <a:defRPr sz="1197">
                 <a:solidFill>
                   <a:schemeClr val="tx1">
                     <a:tint val="75000"/>
@@ -1080,9 +961,9 @@
                 </a:solidFill>
               </a:defRPr>
             </a:lvl7pPr>
-            <a:lvl8pPr marL="3200400" indent="0">
-              <a:buNone/>
-              <a:defRPr sz="1600">
+            <a:lvl8pPr marL="2394219" indent="0">
+              <a:buNone/>
+              <a:defRPr sz="1197">
                 <a:solidFill>
                   <a:schemeClr val="tx1">
                     <a:tint val="75000"/>
@@ -1090,9 +971,9 @@
                 </a:solidFill>
               </a:defRPr>
             </a:lvl8pPr>
-            <a:lvl9pPr marL="3657600" indent="0">
-              <a:buNone/>
-              <a:defRPr sz="1600">
+            <a:lvl9pPr marL="2736251" indent="0">
+              <a:buNone/>
+              <a:defRPr sz="1197">
                 <a:solidFill>
                   <a:schemeClr val="tx1">
                     <a:tint val="75000"/>
@@ -1112,13 +993,7 @@
       </p:sp>
       <p:sp>
         <p:nvSpPr>
-          <p:cNvPr id="4" name="日期占位符 3">
-            <a:extLst>
-              <a:ext uri="{FF2B5EF4-FFF2-40B4-BE49-F238E27FC236}">
-                <a16:creationId xmlns:a16="http://schemas.microsoft.com/office/drawing/2014/main" id="{2D24C87C-87B3-9746-05D2-AF360A314527}"/>
-              </a:ext>
-            </a:extLst>
-          </p:cNvPr>
+          <p:cNvPr id="4" name="Date Placeholder 3"/>
           <p:cNvSpPr>
             <a:spLocks noGrp="1"/>
           </p:cNvSpPr>
@@ -1133,7 +1008,7 @@
           <a:p>
             <a:fld id="{7C19D40C-AEA0-42EF-A163-0BB90F9850AA}" type="datetimeFigureOut">
               <a:rPr lang="zh-CN" altLang="en-US" smtClean="0"/>
-              <a:t>2022/5/7</a:t>
+              <a:t>2022/5/9</a:t>
             </a:fld>
             <a:endParaRPr lang="zh-CN" altLang="en-US"/>
           </a:p>
@@ -1141,13 +1016,7 @@
       </p:sp>
       <p:sp>
         <p:nvSpPr>
-          <p:cNvPr id="5" name="页脚占位符 4">
-            <a:extLst>
-              <a:ext uri="{FF2B5EF4-FFF2-40B4-BE49-F238E27FC236}">
-                <a16:creationId xmlns:a16="http://schemas.microsoft.com/office/drawing/2014/main" id="{B89DD5B5-896E-9B19-9412-4AB191981AEA}"/>
-              </a:ext>
-            </a:extLst>
-          </p:cNvPr>
+          <p:cNvPr id="5" name="Footer Placeholder 4"/>
           <p:cNvSpPr>
             <a:spLocks noGrp="1"/>
           </p:cNvSpPr>
@@ -1166,13 +1035,7 @@
       </p:sp>
       <p:sp>
         <p:nvSpPr>
-          <p:cNvPr id="6" name="灯片编号占位符 5">
-            <a:extLst>
-              <a:ext uri="{FF2B5EF4-FFF2-40B4-BE49-F238E27FC236}">
-                <a16:creationId xmlns:a16="http://schemas.microsoft.com/office/drawing/2014/main" id="{51E7F0B6-51BB-5EFD-B3B9-A6186F5094E6}"/>
-              </a:ext>
-            </a:extLst>
-          </p:cNvPr>
+          <p:cNvPr id="6" name="Slide Number Placeholder 5"/>
           <p:cNvSpPr>
             <a:spLocks noGrp="1"/>
           </p:cNvSpPr>
@@ -1196,7 +1059,7 @@
     </p:spTree>
     <p:extLst>
       <p:ext uri="{BB962C8B-B14F-4D97-AF65-F5344CB8AC3E}">
-        <p14:creationId xmlns:p14="http://schemas.microsoft.com/office/powerpoint/2010/main" val="2068971545"/>
+        <p14:creationId xmlns:p14="http://schemas.microsoft.com/office/powerpoint/2010/main" val="2658774577"/>
       </p:ext>
     </p:extLst>
   </p:cSld>
@@ -1225,13 +1088,7 @@
       </p:grpSpPr>
       <p:sp>
         <p:nvSpPr>
-          <p:cNvPr id="2" name="标题 1">
-            <a:extLst>
-              <a:ext uri="{FF2B5EF4-FFF2-40B4-BE49-F238E27FC236}">
-                <a16:creationId xmlns:a16="http://schemas.microsoft.com/office/drawing/2014/main" id="{F58E8005-21E7-8162-586A-41DA82CFD46A}"/>
-              </a:ext>
-            </a:extLst>
-          </p:cNvPr>
+          <p:cNvPr id="2" name="Title 1"/>
           <p:cNvSpPr>
             <a:spLocks noGrp="1"/>
           </p:cNvSpPr>
@@ -1248,18 +1105,13 @@
               <a:rPr lang="zh-CN" altLang="en-US"/>
               <a:t>单击此处编辑母版标题样式</a:t>
             </a:r>
-          </a:p>
-        </p:txBody>
-      </p:sp>
-      <p:sp>
-        <p:nvSpPr>
-          <p:cNvPr id="3" name="内容占位符 2">
-            <a:extLst>
-              <a:ext uri="{FF2B5EF4-FFF2-40B4-BE49-F238E27FC236}">
-                <a16:creationId xmlns:a16="http://schemas.microsoft.com/office/drawing/2014/main" id="{E8EE2283-74B1-75CA-6F1A-C6416F34A8C7}"/>
-              </a:ext>
-            </a:extLst>
-          </p:cNvPr>
+            <a:endParaRPr lang="en-US" dirty="0"/>
+          </a:p>
+        </p:txBody>
+      </p:sp>
+      <p:sp>
+        <p:nvSpPr>
+          <p:cNvPr id="3" name="Content Placeholder 2"/>
           <p:cNvSpPr>
             <a:spLocks noGrp="1"/>
           </p:cNvSpPr>
@@ -1269,8 +1121,8 @@
         </p:nvSpPr>
         <p:spPr>
           <a:xfrm>
-            <a:off x="838200" y="1825625"/>
-            <a:ext cx="5181600" cy="4351338"/>
+            <a:off x="470287" y="1629539"/>
+            <a:ext cx="2907229" cy="3883972"/>
           </a:xfrm>
         </p:spPr>
         <p:txBody>
@@ -1310,18 +1162,13 @@
               <a:rPr lang="zh-CN" altLang="en-US"/>
               <a:t>五级</a:t>
             </a:r>
-          </a:p>
-        </p:txBody>
-      </p:sp>
-      <p:sp>
-        <p:nvSpPr>
-          <p:cNvPr id="4" name="内容占位符 3">
-            <a:extLst>
-              <a:ext uri="{FF2B5EF4-FFF2-40B4-BE49-F238E27FC236}">
-                <a16:creationId xmlns:a16="http://schemas.microsoft.com/office/drawing/2014/main" id="{0AFAAE50-05BC-C8E9-F1E0-CDE34BE4B232}"/>
-              </a:ext>
-            </a:extLst>
-          </p:cNvPr>
+            <a:endParaRPr lang="en-US" dirty="0"/>
+          </a:p>
+        </p:txBody>
+      </p:sp>
+      <p:sp>
+        <p:nvSpPr>
+          <p:cNvPr id="4" name="Content Placeholder 3"/>
           <p:cNvSpPr>
             <a:spLocks noGrp="1"/>
           </p:cNvSpPr>
@@ -1331,8 +1178,8 @@
         </p:nvSpPr>
         <p:spPr>
           <a:xfrm>
-            <a:off x="6172200" y="1825625"/>
-            <a:ext cx="5181600" cy="4351338"/>
+            <a:off x="3463022" y="1629539"/>
+            <a:ext cx="2907229" cy="3883972"/>
           </a:xfrm>
         </p:spPr>
         <p:txBody>
@@ -1372,18 +1219,13 @@
               <a:rPr lang="zh-CN" altLang="en-US"/>
               <a:t>五级</a:t>
             </a:r>
-          </a:p>
-        </p:txBody>
-      </p:sp>
-      <p:sp>
-        <p:nvSpPr>
-          <p:cNvPr id="5" name="日期占位符 4">
-            <a:extLst>
-              <a:ext uri="{FF2B5EF4-FFF2-40B4-BE49-F238E27FC236}">
-                <a16:creationId xmlns:a16="http://schemas.microsoft.com/office/drawing/2014/main" id="{01224797-8F78-496B-9A0D-B86728004DF0}"/>
-              </a:ext>
-            </a:extLst>
-          </p:cNvPr>
+            <a:endParaRPr lang="en-US" dirty="0"/>
+          </a:p>
+        </p:txBody>
+      </p:sp>
+      <p:sp>
+        <p:nvSpPr>
+          <p:cNvPr id="5" name="Date Placeholder 4"/>
           <p:cNvSpPr>
             <a:spLocks noGrp="1"/>
           </p:cNvSpPr>
@@ -1398,7 +1240,7 @@
           <a:p>
             <a:fld id="{7C19D40C-AEA0-42EF-A163-0BB90F9850AA}" type="datetimeFigureOut">
               <a:rPr lang="zh-CN" altLang="en-US" smtClean="0"/>
-              <a:t>2022/5/7</a:t>
+              <a:t>2022/5/9</a:t>
             </a:fld>
             <a:endParaRPr lang="zh-CN" altLang="en-US"/>
           </a:p>
@@ -1406,13 +1248,7 @@
       </p:sp>
       <p:sp>
         <p:nvSpPr>
-          <p:cNvPr id="6" name="页脚占位符 5">
-            <a:extLst>
-              <a:ext uri="{FF2B5EF4-FFF2-40B4-BE49-F238E27FC236}">
-                <a16:creationId xmlns:a16="http://schemas.microsoft.com/office/drawing/2014/main" id="{5A370593-DEEB-9BEA-EEFA-B8CADBC4D8CF}"/>
-              </a:ext>
-            </a:extLst>
-          </p:cNvPr>
+          <p:cNvPr id="6" name="Footer Placeholder 5"/>
           <p:cNvSpPr>
             <a:spLocks noGrp="1"/>
           </p:cNvSpPr>
@@ -1431,13 +1267,7 @@
       </p:sp>
       <p:sp>
         <p:nvSpPr>
-          <p:cNvPr id="7" name="灯片编号占位符 6">
-            <a:extLst>
-              <a:ext uri="{FF2B5EF4-FFF2-40B4-BE49-F238E27FC236}">
-                <a16:creationId xmlns:a16="http://schemas.microsoft.com/office/drawing/2014/main" id="{2DCFFE8D-2380-6FC5-6A06-65CD009407A0}"/>
-              </a:ext>
-            </a:extLst>
-          </p:cNvPr>
+          <p:cNvPr id="7" name="Slide Number Placeholder 6"/>
           <p:cNvSpPr>
             <a:spLocks noGrp="1"/>
           </p:cNvSpPr>
@@ -1461,7 +1291,7 @@
     </p:spTree>
     <p:extLst>
       <p:ext uri="{BB962C8B-B14F-4D97-AF65-F5344CB8AC3E}">
-        <p14:creationId xmlns:p14="http://schemas.microsoft.com/office/powerpoint/2010/main" val="2668784403"/>
+        <p14:creationId xmlns:p14="http://schemas.microsoft.com/office/powerpoint/2010/main" val="302326106"/>
       </p:ext>
     </p:extLst>
   </p:cSld>
@@ -1490,13 +1320,7 @@
       </p:grpSpPr>
       <p:sp>
         <p:nvSpPr>
-          <p:cNvPr id="2" name="标题 1">
-            <a:extLst>
-              <a:ext uri="{FF2B5EF4-FFF2-40B4-BE49-F238E27FC236}">
-                <a16:creationId xmlns:a16="http://schemas.microsoft.com/office/drawing/2014/main" id="{37EBC52D-16CB-90C6-1161-2D401BD58328}"/>
-              </a:ext>
-            </a:extLst>
-          </p:cNvPr>
+          <p:cNvPr id="2" name="Title 1"/>
           <p:cNvSpPr>
             <a:spLocks noGrp="1"/>
           </p:cNvSpPr>
@@ -1506,8 +1330,8 @@
         </p:nvSpPr>
         <p:spPr>
           <a:xfrm>
-            <a:off x="839788" y="365125"/>
-            <a:ext cx="10515600" cy="1325563"/>
+            <a:off x="471178" y="325909"/>
+            <a:ext cx="5899964" cy="1183188"/>
           </a:xfrm>
         </p:spPr>
         <p:txBody>
@@ -1518,18 +1342,13 @@
               <a:rPr lang="zh-CN" altLang="en-US"/>
               <a:t>单击此处编辑母版标题样式</a:t>
             </a:r>
-          </a:p>
-        </p:txBody>
-      </p:sp>
-      <p:sp>
-        <p:nvSpPr>
-          <p:cNvPr id="3" name="文本占位符 2">
-            <a:extLst>
-              <a:ext uri="{FF2B5EF4-FFF2-40B4-BE49-F238E27FC236}">
-                <a16:creationId xmlns:a16="http://schemas.microsoft.com/office/drawing/2014/main" id="{5B4A621B-8EDB-B967-77C6-609B86271F90}"/>
-              </a:ext>
-            </a:extLst>
-          </p:cNvPr>
+            <a:endParaRPr lang="en-US" dirty="0"/>
+          </a:p>
+        </p:txBody>
+      </p:sp>
+      <p:sp>
+        <p:nvSpPr>
+          <p:cNvPr id="3" name="Text Placeholder 2"/>
           <p:cNvSpPr>
             <a:spLocks noGrp="1"/>
           </p:cNvSpPr>
@@ -1539,8 +1358,8 @@
         </p:nvSpPr>
         <p:spPr>
           <a:xfrm>
-            <a:off x="839788" y="1681163"/>
-            <a:ext cx="5157787" cy="823912"/>
+            <a:off x="471179" y="1500594"/>
+            <a:ext cx="2893868" cy="735418"/>
           </a:xfrm>
         </p:spPr>
         <p:txBody>
@@ -1548,39 +1367,39 @@
           <a:lstStyle>
             <a:lvl1pPr marL="0" indent="0">
               <a:buNone/>
-              <a:defRPr sz="2400" b="1"/>
+              <a:defRPr sz="1795" b="1"/>
             </a:lvl1pPr>
-            <a:lvl2pPr marL="457200" indent="0">
-              <a:buNone/>
-              <a:defRPr sz="2000" b="1"/>
+            <a:lvl2pPr marL="342031" indent="0">
+              <a:buNone/>
+              <a:defRPr sz="1496" b="1"/>
             </a:lvl2pPr>
-            <a:lvl3pPr marL="914400" indent="0">
-              <a:buNone/>
-              <a:defRPr sz="1800" b="1"/>
+            <a:lvl3pPr marL="684063" indent="0">
+              <a:buNone/>
+              <a:defRPr sz="1347" b="1"/>
             </a:lvl3pPr>
-            <a:lvl4pPr marL="1371600" indent="0">
-              <a:buNone/>
-              <a:defRPr sz="1600" b="1"/>
+            <a:lvl4pPr marL="1026094" indent="0">
+              <a:buNone/>
+              <a:defRPr sz="1197" b="1"/>
             </a:lvl4pPr>
-            <a:lvl5pPr marL="1828800" indent="0">
-              <a:buNone/>
-              <a:defRPr sz="1600" b="1"/>
+            <a:lvl5pPr marL="1368125" indent="0">
+              <a:buNone/>
+              <a:defRPr sz="1197" b="1"/>
             </a:lvl5pPr>
-            <a:lvl6pPr marL="2286000" indent="0">
-              <a:buNone/>
-              <a:defRPr sz="1600" b="1"/>
+            <a:lvl6pPr marL="1710157" indent="0">
+              <a:buNone/>
+              <a:defRPr sz="1197" b="1"/>
             </a:lvl6pPr>
-            <a:lvl7pPr marL="2743200" indent="0">
-              <a:buNone/>
-              <a:defRPr sz="1600" b="1"/>
+            <a:lvl7pPr marL="2052188" indent="0">
+              <a:buNone/>
+              <a:defRPr sz="1197" b="1"/>
             </a:lvl7pPr>
-            <a:lvl8pPr marL="3200400" indent="0">
-              <a:buNone/>
-              <a:defRPr sz="1600" b="1"/>
+            <a:lvl8pPr marL="2394219" indent="0">
+              <a:buNone/>
+              <a:defRPr sz="1197" b="1"/>
             </a:lvl8pPr>
-            <a:lvl9pPr marL="3657600" indent="0">
-              <a:buNone/>
-              <a:defRPr sz="1600" b="1"/>
+            <a:lvl9pPr marL="2736251" indent="0">
+              <a:buNone/>
+              <a:defRPr sz="1197" b="1"/>
             </a:lvl9pPr>
           </a:lstStyle>
           <a:p>
@@ -1594,13 +1413,7 @@
       </p:sp>
       <p:sp>
         <p:nvSpPr>
-          <p:cNvPr id="4" name="内容占位符 3">
-            <a:extLst>
-              <a:ext uri="{FF2B5EF4-FFF2-40B4-BE49-F238E27FC236}">
-                <a16:creationId xmlns:a16="http://schemas.microsoft.com/office/drawing/2014/main" id="{232FED24-FEA5-2A75-4A32-0FD6C4CCC917}"/>
-              </a:ext>
-            </a:extLst>
-          </p:cNvPr>
+          <p:cNvPr id="4" name="Content Placeholder 3"/>
           <p:cNvSpPr>
             <a:spLocks noGrp="1"/>
           </p:cNvSpPr>
@@ -1610,8 +1423,8 @@
         </p:nvSpPr>
         <p:spPr>
           <a:xfrm>
-            <a:off x="839788" y="2505075"/>
-            <a:ext cx="5157787" cy="3684588"/>
+            <a:off x="471179" y="2236011"/>
+            <a:ext cx="2893868" cy="3288836"/>
           </a:xfrm>
         </p:spPr>
         <p:txBody>
@@ -1651,18 +1464,13 @@
               <a:rPr lang="zh-CN" altLang="en-US"/>
               <a:t>五级</a:t>
             </a:r>
-          </a:p>
-        </p:txBody>
-      </p:sp>
-      <p:sp>
-        <p:nvSpPr>
-          <p:cNvPr id="5" name="文本占位符 4">
-            <a:extLst>
-              <a:ext uri="{FF2B5EF4-FFF2-40B4-BE49-F238E27FC236}">
-                <a16:creationId xmlns:a16="http://schemas.microsoft.com/office/drawing/2014/main" id="{41A83CEB-7F6E-6ED9-9286-9CC5574033C9}"/>
-              </a:ext>
-            </a:extLst>
-          </p:cNvPr>
+            <a:endParaRPr lang="en-US" dirty="0"/>
+          </a:p>
+        </p:txBody>
+      </p:sp>
+      <p:sp>
+        <p:nvSpPr>
+          <p:cNvPr id="5" name="Text Placeholder 4"/>
           <p:cNvSpPr>
             <a:spLocks noGrp="1"/>
           </p:cNvSpPr>
@@ -1672,8 +1480,8 @@
         </p:nvSpPr>
         <p:spPr>
           <a:xfrm>
-            <a:off x="6172200" y="1681163"/>
-            <a:ext cx="5183188" cy="823912"/>
+            <a:off x="3463023" y="1500594"/>
+            <a:ext cx="2908120" cy="735418"/>
           </a:xfrm>
         </p:spPr>
         <p:txBody>
@@ -1681,39 +1489,39 @@
           <a:lstStyle>
             <a:lvl1pPr marL="0" indent="0">
               <a:buNone/>
-              <a:defRPr sz="2400" b="1"/>
+              <a:defRPr sz="1795" b="1"/>
             </a:lvl1pPr>
-            <a:lvl2pPr marL="457200" indent="0">
-              <a:buNone/>
-              <a:defRPr sz="2000" b="1"/>
+            <a:lvl2pPr marL="342031" indent="0">
+              <a:buNone/>
+              <a:defRPr sz="1496" b="1"/>
             </a:lvl2pPr>
-            <a:lvl3pPr marL="914400" indent="0">
-              <a:buNone/>
-              <a:defRPr sz="1800" b="1"/>
+            <a:lvl3pPr marL="684063" indent="0">
+              <a:buNone/>
+              <a:defRPr sz="1347" b="1"/>
             </a:lvl3pPr>
-            <a:lvl4pPr marL="1371600" indent="0">
-              <a:buNone/>
-              <a:defRPr sz="1600" b="1"/>
+            <a:lvl4pPr marL="1026094" indent="0">
+              <a:buNone/>
+              <a:defRPr sz="1197" b="1"/>
             </a:lvl4pPr>
-            <a:lvl5pPr marL="1828800" indent="0">
-              <a:buNone/>
-              <a:defRPr sz="1600" b="1"/>
+            <a:lvl5pPr marL="1368125" indent="0">
+              <a:buNone/>
+              <a:defRPr sz="1197" b="1"/>
             </a:lvl5pPr>
-            <a:lvl6pPr marL="2286000" indent="0">
-              <a:buNone/>
-              <a:defRPr sz="1600" b="1"/>
+            <a:lvl6pPr marL="1710157" indent="0">
+              <a:buNone/>
+              <a:defRPr sz="1197" b="1"/>
             </a:lvl6pPr>
-            <a:lvl7pPr marL="2743200" indent="0">
-              <a:buNone/>
-              <a:defRPr sz="1600" b="1"/>
+            <a:lvl7pPr marL="2052188" indent="0">
+              <a:buNone/>
+              <a:defRPr sz="1197" b="1"/>
             </a:lvl7pPr>
-            <a:lvl8pPr marL="3200400" indent="0">
-              <a:buNone/>
-              <a:defRPr sz="1600" b="1"/>
+            <a:lvl8pPr marL="2394219" indent="0">
+              <a:buNone/>
+              <a:defRPr sz="1197" b="1"/>
             </a:lvl8pPr>
-            <a:lvl9pPr marL="3657600" indent="0">
-              <a:buNone/>
-              <a:defRPr sz="1600" b="1"/>
+            <a:lvl9pPr marL="2736251" indent="0">
+              <a:buNone/>
+              <a:defRPr sz="1197" b="1"/>
             </a:lvl9pPr>
           </a:lstStyle>
           <a:p>
@@ -1727,13 +1535,7 @@
       </p:sp>
       <p:sp>
         <p:nvSpPr>
-          <p:cNvPr id="6" name="内容占位符 5">
-            <a:extLst>
-              <a:ext uri="{FF2B5EF4-FFF2-40B4-BE49-F238E27FC236}">
-                <a16:creationId xmlns:a16="http://schemas.microsoft.com/office/drawing/2014/main" id="{56DD4236-3C7C-8428-A2FD-ABAE13B8AF3D}"/>
-              </a:ext>
-            </a:extLst>
-          </p:cNvPr>
+          <p:cNvPr id="6" name="Content Placeholder 5"/>
           <p:cNvSpPr>
             <a:spLocks noGrp="1"/>
           </p:cNvSpPr>
@@ -1743,8 +1545,8 @@
         </p:nvSpPr>
         <p:spPr>
           <a:xfrm>
-            <a:off x="6172200" y="2505075"/>
-            <a:ext cx="5183188" cy="3684588"/>
+            <a:off x="3463023" y="2236011"/>
+            <a:ext cx="2908120" cy="3288836"/>
           </a:xfrm>
         </p:spPr>
         <p:txBody>
@@ -1784,18 +1586,13 @@
               <a:rPr lang="zh-CN" altLang="en-US"/>
               <a:t>五级</a:t>
             </a:r>
-          </a:p>
-        </p:txBody>
-      </p:sp>
-      <p:sp>
-        <p:nvSpPr>
-          <p:cNvPr id="7" name="日期占位符 6">
-            <a:extLst>
-              <a:ext uri="{FF2B5EF4-FFF2-40B4-BE49-F238E27FC236}">
-                <a16:creationId xmlns:a16="http://schemas.microsoft.com/office/drawing/2014/main" id="{1DAB6F60-2337-1B2E-A664-16D22F3CC922}"/>
-              </a:ext>
-            </a:extLst>
-          </p:cNvPr>
+            <a:endParaRPr lang="en-US" dirty="0"/>
+          </a:p>
+        </p:txBody>
+      </p:sp>
+      <p:sp>
+        <p:nvSpPr>
+          <p:cNvPr id="7" name="Date Placeholder 6"/>
           <p:cNvSpPr>
             <a:spLocks noGrp="1"/>
           </p:cNvSpPr>
@@ -1810,7 +1607,7 @@
           <a:p>
             <a:fld id="{7C19D40C-AEA0-42EF-A163-0BB90F9850AA}" type="datetimeFigureOut">
               <a:rPr lang="zh-CN" altLang="en-US" smtClean="0"/>
-              <a:t>2022/5/7</a:t>
+              <a:t>2022/5/9</a:t>
             </a:fld>
             <a:endParaRPr lang="zh-CN" altLang="en-US"/>
           </a:p>
@@ -1818,13 +1615,7 @@
       </p:sp>
       <p:sp>
         <p:nvSpPr>
-          <p:cNvPr id="8" name="页脚占位符 7">
-            <a:extLst>
-              <a:ext uri="{FF2B5EF4-FFF2-40B4-BE49-F238E27FC236}">
-                <a16:creationId xmlns:a16="http://schemas.microsoft.com/office/drawing/2014/main" id="{85F94157-51F8-2FE1-96C6-64B05258FF79}"/>
-              </a:ext>
-            </a:extLst>
-          </p:cNvPr>
+          <p:cNvPr id="8" name="Footer Placeholder 7"/>
           <p:cNvSpPr>
             <a:spLocks noGrp="1"/>
           </p:cNvSpPr>
@@ -1843,13 +1634,7 @@
       </p:sp>
       <p:sp>
         <p:nvSpPr>
-          <p:cNvPr id="9" name="灯片编号占位符 8">
-            <a:extLst>
-              <a:ext uri="{FF2B5EF4-FFF2-40B4-BE49-F238E27FC236}">
-                <a16:creationId xmlns:a16="http://schemas.microsoft.com/office/drawing/2014/main" id="{28DC5F9C-1D54-88FD-E17E-81C244DD6493}"/>
-              </a:ext>
-            </a:extLst>
-          </p:cNvPr>
+          <p:cNvPr id="9" name="Slide Number Placeholder 8"/>
           <p:cNvSpPr>
             <a:spLocks noGrp="1"/>
           </p:cNvSpPr>
@@ -1873,7 +1658,7 @@
     </p:spTree>
     <p:extLst>
       <p:ext uri="{BB962C8B-B14F-4D97-AF65-F5344CB8AC3E}">
-        <p14:creationId xmlns:p14="http://schemas.microsoft.com/office/powerpoint/2010/main" val="2796979347"/>
+        <p14:creationId xmlns:p14="http://schemas.microsoft.com/office/powerpoint/2010/main" val="1620856224"/>
       </p:ext>
     </p:extLst>
   </p:cSld>
@@ -1902,13 +1687,7 @@
       </p:grpSpPr>
       <p:sp>
         <p:nvSpPr>
-          <p:cNvPr id="2" name="标题 1">
-            <a:extLst>
-              <a:ext uri="{FF2B5EF4-FFF2-40B4-BE49-F238E27FC236}">
-                <a16:creationId xmlns:a16="http://schemas.microsoft.com/office/drawing/2014/main" id="{3821A7E4-3D78-749B-F3F6-8BB06B00BDDC}"/>
-              </a:ext>
-            </a:extLst>
-          </p:cNvPr>
+          <p:cNvPr id="2" name="Title 1"/>
           <p:cNvSpPr>
             <a:spLocks noGrp="1"/>
           </p:cNvSpPr>
@@ -1925,18 +1704,13 @@
               <a:rPr lang="zh-CN" altLang="en-US"/>
               <a:t>单击此处编辑母版标题样式</a:t>
             </a:r>
-          </a:p>
-        </p:txBody>
-      </p:sp>
-      <p:sp>
-        <p:nvSpPr>
-          <p:cNvPr id="3" name="日期占位符 2">
-            <a:extLst>
-              <a:ext uri="{FF2B5EF4-FFF2-40B4-BE49-F238E27FC236}">
-                <a16:creationId xmlns:a16="http://schemas.microsoft.com/office/drawing/2014/main" id="{78653548-5EDC-3AD8-4E84-7ED05C84ECCA}"/>
-              </a:ext>
-            </a:extLst>
-          </p:cNvPr>
+            <a:endParaRPr lang="en-US" dirty="0"/>
+          </a:p>
+        </p:txBody>
+      </p:sp>
+      <p:sp>
+        <p:nvSpPr>
+          <p:cNvPr id="3" name="Date Placeholder 2"/>
           <p:cNvSpPr>
             <a:spLocks noGrp="1"/>
           </p:cNvSpPr>
@@ -1951,7 +1725,7 @@
           <a:p>
             <a:fld id="{7C19D40C-AEA0-42EF-A163-0BB90F9850AA}" type="datetimeFigureOut">
               <a:rPr lang="zh-CN" altLang="en-US" smtClean="0"/>
-              <a:t>2022/5/7</a:t>
+              <a:t>2022/5/9</a:t>
             </a:fld>
             <a:endParaRPr lang="zh-CN" altLang="en-US"/>
           </a:p>
@@ -1959,13 +1733,7 @@
       </p:sp>
       <p:sp>
         <p:nvSpPr>
-          <p:cNvPr id="4" name="页脚占位符 3">
-            <a:extLst>
-              <a:ext uri="{FF2B5EF4-FFF2-40B4-BE49-F238E27FC236}">
-                <a16:creationId xmlns:a16="http://schemas.microsoft.com/office/drawing/2014/main" id="{3A111E11-230F-A1D7-7FE7-BBAFA4F1B8C8}"/>
-              </a:ext>
-            </a:extLst>
-          </p:cNvPr>
+          <p:cNvPr id="4" name="Footer Placeholder 3"/>
           <p:cNvSpPr>
             <a:spLocks noGrp="1"/>
           </p:cNvSpPr>
@@ -1984,13 +1752,7 @@
       </p:sp>
       <p:sp>
         <p:nvSpPr>
-          <p:cNvPr id="5" name="灯片编号占位符 4">
-            <a:extLst>
-              <a:ext uri="{FF2B5EF4-FFF2-40B4-BE49-F238E27FC236}">
-                <a16:creationId xmlns:a16="http://schemas.microsoft.com/office/drawing/2014/main" id="{389A9989-D490-628B-EBF3-277CA62F9463}"/>
-              </a:ext>
-            </a:extLst>
-          </p:cNvPr>
+          <p:cNvPr id="5" name="Slide Number Placeholder 4"/>
           <p:cNvSpPr>
             <a:spLocks noGrp="1"/>
           </p:cNvSpPr>
@@ -2014,7 +1776,7 @@
     </p:spTree>
     <p:extLst>
       <p:ext uri="{BB962C8B-B14F-4D97-AF65-F5344CB8AC3E}">
-        <p14:creationId xmlns:p14="http://schemas.microsoft.com/office/powerpoint/2010/main" val="4135403945"/>
+        <p14:creationId xmlns:p14="http://schemas.microsoft.com/office/powerpoint/2010/main" val="2189202183"/>
       </p:ext>
     </p:extLst>
   </p:cSld>
@@ -2043,13 +1805,7 @@
       </p:grpSpPr>
       <p:sp>
         <p:nvSpPr>
-          <p:cNvPr id="2" name="日期占位符 1">
-            <a:extLst>
-              <a:ext uri="{FF2B5EF4-FFF2-40B4-BE49-F238E27FC236}">
-                <a16:creationId xmlns:a16="http://schemas.microsoft.com/office/drawing/2014/main" id="{38C57501-2055-F795-0DA1-B872A978D44F}"/>
-              </a:ext>
-            </a:extLst>
-          </p:cNvPr>
+          <p:cNvPr id="2" name="Date Placeholder 1"/>
           <p:cNvSpPr>
             <a:spLocks noGrp="1"/>
           </p:cNvSpPr>
@@ -2064,7 +1820,7 @@
           <a:p>
             <a:fld id="{7C19D40C-AEA0-42EF-A163-0BB90F9850AA}" type="datetimeFigureOut">
               <a:rPr lang="zh-CN" altLang="en-US" smtClean="0"/>
-              <a:t>2022/5/7</a:t>
+              <a:t>2022/5/9</a:t>
             </a:fld>
             <a:endParaRPr lang="zh-CN" altLang="en-US"/>
           </a:p>
@@ -2072,13 +1828,7 @@
       </p:sp>
       <p:sp>
         <p:nvSpPr>
-          <p:cNvPr id="3" name="页脚占位符 2">
-            <a:extLst>
-              <a:ext uri="{FF2B5EF4-FFF2-40B4-BE49-F238E27FC236}">
-                <a16:creationId xmlns:a16="http://schemas.microsoft.com/office/drawing/2014/main" id="{B8209333-1D8B-0566-4EA3-0A008E976FF3}"/>
-              </a:ext>
-            </a:extLst>
-          </p:cNvPr>
+          <p:cNvPr id="3" name="Footer Placeholder 2"/>
           <p:cNvSpPr>
             <a:spLocks noGrp="1"/>
           </p:cNvSpPr>
@@ -2097,13 +1847,7 @@
       </p:sp>
       <p:sp>
         <p:nvSpPr>
-          <p:cNvPr id="4" name="灯片编号占位符 3">
-            <a:extLst>
-              <a:ext uri="{FF2B5EF4-FFF2-40B4-BE49-F238E27FC236}">
-                <a16:creationId xmlns:a16="http://schemas.microsoft.com/office/drawing/2014/main" id="{49DD92EB-3FC3-95A2-8ABE-A04D71ACB655}"/>
-              </a:ext>
-            </a:extLst>
-          </p:cNvPr>
+          <p:cNvPr id="4" name="Slide Number Placeholder 3"/>
           <p:cNvSpPr>
             <a:spLocks noGrp="1"/>
           </p:cNvSpPr>
@@ -2127,7 +1871,7 @@
     </p:spTree>
     <p:extLst>
       <p:ext uri="{BB962C8B-B14F-4D97-AF65-F5344CB8AC3E}">
-        <p14:creationId xmlns:p14="http://schemas.microsoft.com/office/powerpoint/2010/main" val="1986045893"/>
+        <p14:creationId xmlns:p14="http://schemas.microsoft.com/office/powerpoint/2010/main" val="529301283"/>
       </p:ext>
     </p:extLst>
   </p:cSld>
@@ -2156,13 +1900,7 @@
       </p:grpSpPr>
       <p:sp>
         <p:nvSpPr>
-          <p:cNvPr id="2" name="标题 1">
-            <a:extLst>
-              <a:ext uri="{FF2B5EF4-FFF2-40B4-BE49-F238E27FC236}">
-                <a16:creationId xmlns:a16="http://schemas.microsoft.com/office/drawing/2014/main" id="{4BE0D129-A090-D869-D0F3-90EBB1D1975B}"/>
-              </a:ext>
-            </a:extLst>
-          </p:cNvPr>
+          <p:cNvPr id="2" name="Title 1"/>
           <p:cNvSpPr>
             <a:spLocks noGrp="1"/>
           </p:cNvSpPr>
@@ -2172,15 +1910,15 @@
         </p:nvSpPr>
         <p:spPr>
           <a:xfrm>
-            <a:off x="839788" y="457200"/>
-            <a:ext cx="3932237" cy="1600200"/>
+            <a:off x="471178" y="408093"/>
+            <a:ext cx="2206252" cy="1428327"/>
           </a:xfrm>
         </p:spPr>
         <p:txBody>
           <a:bodyPr anchor="b"/>
           <a:lstStyle>
             <a:lvl1pPr>
-              <a:defRPr sz="3200"/>
+              <a:defRPr sz="2394"/>
             </a:lvl1pPr>
           </a:lstStyle>
           <a:p>
@@ -2188,18 +1926,13 @@
               <a:rPr lang="zh-CN" altLang="en-US"/>
               <a:t>单击此处编辑母版标题样式</a:t>
             </a:r>
-          </a:p>
-        </p:txBody>
-      </p:sp>
-      <p:sp>
-        <p:nvSpPr>
-          <p:cNvPr id="3" name="内容占位符 2">
-            <a:extLst>
-              <a:ext uri="{FF2B5EF4-FFF2-40B4-BE49-F238E27FC236}">
-                <a16:creationId xmlns:a16="http://schemas.microsoft.com/office/drawing/2014/main" id="{C000125E-F15B-E9DD-E2F1-9FDB21AC77EF}"/>
-              </a:ext>
-            </a:extLst>
-          </p:cNvPr>
+            <a:endParaRPr lang="en-US" dirty="0"/>
+          </a:p>
+        </p:txBody>
+      </p:sp>
+      <p:sp>
+        <p:nvSpPr>
+          <p:cNvPr id="3" name="Content Placeholder 2"/>
           <p:cNvSpPr>
             <a:spLocks noGrp="1"/>
           </p:cNvSpPr>
@@ -2209,39 +1942,39 @@
         </p:nvSpPr>
         <p:spPr>
           <a:xfrm>
-            <a:off x="5183188" y="987425"/>
-            <a:ext cx="6172200" cy="4873625"/>
+            <a:off x="2908120" y="881369"/>
+            <a:ext cx="3463022" cy="4350162"/>
           </a:xfrm>
         </p:spPr>
         <p:txBody>
           <a:bodyPr/>
           <a:lstStyle>
             <a:lvl1pPr>
-              <a:defRPr sz="3200"/>
+              <a:defRPr sz="2394"/>
             </a:lvl1pPr>
             <a:lvl2pPr>
-              <a:defRPr sz="2800"/>
+              <a:defRPr sz="2095"/>
             </a:lvl2pPr>
             <a:lvl3pPr>
-              <a:defRPr sz="2400"/>
+              <a:defRPr sz="1795"/>
             </a:lvl3pPr>
             <a:lvl4pPr>
-              <a:defRPr sz="2000"/>
+              <a:defRPr sz="1496"/>
             </a:lvl4pPr>
             <a:lvl5pPr>
-              <a:defRPr sz="2000"/>
+              <a:defRPr sz="1496"/>
             </a:lvl5pPr>
             <a:lvl6pPr>
-              <a:defRPr sz="2000"/>
+              <a:defRPr sz="1496"/>
             </a:lvl6pPr>
             <a:lvl7pPr>
-              <a:defRPr sz="2000"/>
+              <a:defRPr sz="1496"/>
             </a:lvl7pPr>
             <a:lvl8pPr>
-              <a:defRPr sz="2000"/>
+              <a:defRPr sz="1496"/>
             </a:lvl8pPr>
             <a:lvl9pPr>
-              <a:defRPr sz="2000"/>
+              <a:defRPr sz="1496"/>
             </a:lvl9pPr>
           </a:lstStyle>
           <a:p>
@@ -2278,18 +2011,13 @@
               <a:rPr lang="zh-CN" altLang="en-US"/>
               <a:t>五级</a:t>
             </a:r>
-          </a:p>
-        </p:txBody>
-      </p:sp>
-      <p:sp>
-        <p:nvSpPr>
-          <p:cNvPr id="4" name="文本占位符 3">
-            <a:extLst>
-              <a:ext uri="{FF2B5EF4-FFF2-40B4-BE49-F238E27FC236}">
-                <a16:creationId xmlns:a16="http://schemas.microsoft.com/office/drawing/2014/main" id="{77016AB7-1889-E47C-C7A1-AFF2D1769A8B}"/>
-              </a:ext>
-            </a:extLst>
-          </p:cNvPr>
+            <a:endParaRPr lang="en-US" dirty="0"/>
+          </a:p>
+        </p:txBody>
+      </p:sp>
+      <p:sp>
+        <p:nvSpPr>
+          <p:cNvPr id="4" name="Text Placeholder 3"/>
           <p:cNvSpPr>
             <a:spLocks noGrp="1"/>
           </p:cNvSpPr>
@@ -2299,8 +2027,8 @@
         </p:nvSpPr>
         <p:spPr>
           <a:xfrm>
-            <a:off x="839788" y="2057400"/>
-            <a:ext cx="3932237" cy="3811588"/>
+            <a:off x="471178" y="1836420"/>
+            <a:ext cx="2206252" cy="3402195"/>
           </a:xfrm>
         </p:spPr>
         <p:txBody>
@@ -2308,39 +2036,39 @@
           <a:lstStyle>
             <a:lvl1pPr marL="0" indent="0">
               <a:buNone/>
-              <a:defRPr sz="1600"/>
+              <a:defRPr sz="1197"/>
             </a:lvl1pPr>
-            <a:lvl2pPr marL="457200" indent="0">
-              <a:buNone/>
-              <a:defRPr sz="1400"/>
+            <a:lvl2pPr marL="342031" indent="0">
+              <a:buNone/>
+              <a:defRPr sz="1047"/>
             </a:lvl2pPr>
-            <a:lvl3pPr marL="914400" indent="0">
-              <a:buNone/>
-              <a:defRPr sz="1200"/>
+            <a:lvl3pPr marL="684063" indent="0">
+              <a:buNone/>
+              <a:defRPr sz="898"/>
             </a:lvl3pPr>
-            <a:lvl4pPr marL="1371600" indent="0">
-              <a:buNone/>
-              <a:defRPr sz="1000"/>
+            <a:lvl4pPr marL="1026094" indent="0">
+              <a:buNone/>
+              <a:defRPr sz="748"/>
             </a:lvl4pPr>
-            <a:lvl5pPr marL="1828800" indent="0">
-              <a:buNone/>
-              <a:defRPr sz="1000"/>
+            <a:lvl5pPr marL="1368125" indent="0">
+              <a:buNone/>
+              <a:defRPr sz="748"/>
             </a:lvl5pPr>
-            <a:lvl6pPr marL="2286000" indent="0">
-              <a:buNone/>
-              <a:defRPr sz="1000"/>
+            <a:lvl6pPr marL="1710157" indent="0">
+              <a:buNone/>
+              <a:defRPr sz="748"/>
             </a:lvl6pPr>
-            <a:lvl7pPr marL="2743200" indent="0">
-              <a:buNone/>
-              <a:defRPr sz="1000"/>
+            <a:lvl7pPr marL="2052188" indent="0">
+              <a:buNone/>
+              <a:defRPr sz="748"/>
             </a:lvl7pPr>
-            <a:lvl8pPr marL="3200400" indent="0">
-              <a:buNone/>
-              <a:defRPr sz="1000"/>
+            <a:lvl8pPr marL="2394219" indent="0">
+              <a:buNone/>
+              <a:defRPr sz="748"/>
             </a:lvl8pPr>
-            <a:lvl9pPr marL="3657600" indent="0">
-              <a:buNone/>
-              <a:defRPr sz="1000"/>
+            <a:lvl9pPr marL="2736251" indent="0">
+              <a:buNone/>
+              <a:defRPr sz="748"/>
             </a:lvl9pPr>
           </a:lstStyle>
           <a:p>
@@ -2354,13 +2082,7 @@
       </p:sp>
       <p:sp>
         <p:nvSpPr>
-          <p:cNvPr id="5" name="日期占位符 4">
-            <a:extLst>
-              <a:ext uri="{FF2B5EF4-FFF2-40B4-BE49-F238E27FC236}">
-                <a16:creationId xmlns:a16="http://schemas.microsoft.com/office/drawing/2014/main" id="{7E26E0B5-38AF-568C-5BB1-1E7B2A9FF7C6}"/>
-              </a:ext>
-            </a:extLst>
-          </p:cNvPr>
+          <p:cNvPr id="5" name="Date Placeholder 4"/>
           <p:cNvSpPr>
             <a:spLocks noGrp="1"/>
           </p:cNvSpPr>
@@ -2375,7 +2097,7 @@
           <a:p>
             <a:fld id="{7C19D40C-AEA0-42EF-A163-0BB90F9850AA}" type="datetimeFigureOut">
               <a:rPr lang="zh-CN" altLang="en-US" smtClean="0"/>
-              <a:t>2022/5/7</a:t>
+              <a:t>2022/5/9</a:t>
             </a:fld>
             <a:endParaRPr lang="zh-CN" altLang="en-US"/>
           </a:p>
@@ -2383,13 +2105,7 @@
       </p:sp>
       <p:sp>
         <p:nvSpPr>
-          <p:cNvPr id="6" name="页脚占位符 5">
-            <a:extLst>
-              <a:ext uri="{FF2B5EF4-FFF2-40B4-BE49-F238E27FC236}">
-                <a16:creationId xmlns:a16="http://schemas.microsoft.com/office/drawing/2014/main" id="{59033668-5C37-F415-9D83-F73F02611DAC}"/>
-              </a:ext>
-            </a:extLst>
-          </p:cNvPr>
+          <p:cNvPr id="6" name="Footer Placeholder 5"/>
           <p:cNvSpPr>
             <a:spLocks noGrp="1"/>
           </p:cNvSpPr>
@@ -2408,13 +2124,7 @@
       </p:sp>
       <p:sp>
         <p:nvSpPr>
-          <p:cNvPr id="7" name="灯片编号占位符 6">
-            <a:extLst>
-              <a:ext uri="{FF2B5EF4-FFF2-40B4-BE49-F238E27FC236}">
-                <a16:creationId xmlns:a16="http://schemas.microsoft.com/office/drawing/2014/main" id="{B0150F2F-52C9-8D30-0917-A9DFDAFD3DE6}"/>
-              </a:ext>
-            </a:extLst>
-          </p:cNvPr>
+          <p:cNvPr id="7" name="Slide Number Placeholder 6"/>
           <p:cNvSpPr>
             <a:spLocks noGrp="1"/>
           </p:cNvSpPr>
@@ -2438,7 +2148,7 @@
     </p:spTree>
     <p:extLst>
       <p:ext uri="{BB962C8B-B14F-4D97-AF65-F5344CB8AC3E}">
-        <p14:creationId xmlns:p14="http://schemas.microsoft.com/office/powerpoint/2010/main" val="377303735"/>
+        <p14:creationId xmlns:p14="http://schemas.microsoft.com/office/powerpoint/2010/main" val="4076206930"/>
       </p:ext>
     </p:extLst>
   </p:cSld>
@@ -2467,13 +2177,7 @@
       </p:grpSpPr>
       <p:sp>
         <p:nvSpPr>
-          <p:cNvPr id="2" name="标题 1">
-            <a:extLst>
-              <a:ext uri="{FF2B5EF4-FFF2-40B4-BE49-F238E27FC236}">
-                <a16:creationId xmlns:a16="http://schemas.microsoft.com/office/drawing/2014/main" id="{CFA8E97B-3FF0-AB72-111E-4A12EDDA6DBB}"/>
-              </a:ext>
-            </a:extLst>
-          </p:cNvPr>
+          <p:cNvPr id="2" name="Title 1"/>
           <p:cNvSpPr>
             <a:spLocks noGrp="1"/>
           </p:cNvSpPr>
@@ -2483,15 +2187,15 @@
         </p:nvSpPr>
         <p:spPr>
           <a:xfrm>
-            <a:off x="839788" y="457200"/>
-            <a:ext cx="3932237" cy="1600200"/>
+            <a:off x="471178" y="408093"/>
+            <a:ext cx="2206252" cy="1428327"/>
           </a:xfrm>
         </p:spPr>
         <p:txBody>
           <a:bodyPr anchor="b"/>
           <a:lstStyle>
             <a:lvl1pPr>
-              <a:defRPr sz="3200"/>
+              <a:defRPr sz="2394"/>
             </a:lvl1pPr>
           </a:lstStyle>
           <a:p>
@@ -2499,20 +2203,15 @@
               <a:rPr lang="zh-CN" altLang="en-US"/>
               <a:t>单击此处编辑母版标题样式</a:t>
             </a:r>
-          </a:p>
-        </p:txBody>
-      </p:sp>
-      <p:sp>
-        <p:nvSpPr>
-          <p:cNvPr id="3" name="图片占位符 2">
-            <a:extLst>
-              <a:ext uri="{FF2B5EF4-FFF2-40B4-BE49-F238E27FC236}">
-                <a16:creationId xmlns:a16="http://schemas.microsoft.com/office/drawing/2014/main" id="{74F9A368-BA5B-48BD-84AA-A43FC8C71540}"/>
-              </a:ext>
-            </a:extLst>
-          </p:cNvPr>
-          <p:cNvSpPr>
-            <a:spLocks noGrp="1"/>
+            <a:endParaRPr lang="en-US" dirty="0"/>
+          </a:p>
+        </p:txBody>
+      </p:sp>
+      <p:sp>
+        <p:nvSpPr>
+          <p:cNvPr id="3" name="Picture Placeholder 2"/>
+          <p:cNvSpPr>
+            <a:spLocks noGrp="1" noChangeAspect="1"/>
           </p:cNvSpPr>
           <p:nvPr>
             <p:ph type="pic" idx="1"/>
@@ -2520,64 +2219,62 @@
         </p:nvSpPr>
         <p:spPr>
           <a:xfrm>
-            <a:off x="5183188" y="987425"/>
-            <a:ext cx="6172200" cy="4873625"/>
+            <a:off x="2908120" y="881369"/>
+            <a:ext cx="3463022" cy="4350162"/>
           </a:xfrm>
         </p:spPr>
         <p:txBody>
-          <a:bodyPr/>
+          <a:bodyPr anchor="t"/>
           <a:lstStyle>
             <a:lvl1pPr marL="0" indent="0">
               <a:buNone/>
-              <a:defRPr sz="3200"/>
+              <a:defRPr sz="2394"/>
             </a:lvl1pPr>
-            <a:lvl2pPr marL="457200" indent="0">
-              <a:buNone/>
-              <a:defRPr sz="2800"/>
+            <a:lvl2pPr marL="342031" indent="0">
+              <a:buNone/>
+              <a:defRPr sz="2095"/>
             </a:lvl2pPr>
-            <a:lvl3pPr marL="914400" indent="0">
-              <a:buNone/>
-              <a:defRPr sz="2400"/>
+            <a:lvl3pPr marL="684063" indent="0">
+              <a:buNone/>
+              <a:defRPr sz="1795"/>
             </a:lvl3pPr>
-            <a:lvl4pPr marL="1371600" indent="0">
-              <a:buNone/>
-              <a:defRPr sz="2000"/>
+            <a:lvl4pPr marL="1026094" indent="0">
+              <a:buNone/>
+              <a:defRPr sz="1496"/>
             </a:lvl4pPr>
-            <a:lvl5pPr marL="1828800" indent="0">
-              <a:buNone/>
-              <a:defRPr sz="2000"/>
+            <a:lvl5pPr marL="1368125" indent="0">
+              <a:buNone/>
+              <a:defRPr sz="1496"/>
             </a:lvl5pPr>
-            <a:lvl6pPr marL="2286000" indent="0">
-              <a:buNone/>
-              <a:defRPr sz="2000"/>
+            <a:lvl6pPr marL="1710157" indent="0">
+              <a:buNone/>
+              <a:defRPr sz="1496"/>
             </a:lvl6pPr>
-            <a:lvl7pPr marL="2743200" indent="0">
-              <a:buNone/>
-              <a:defRPr sz="2000"/>
+            <a:lvl7pPr marL="2052188" indent="0">
+              <a:buNone/>
+              <a:defRPr sz="1496"/>
             </a:lvl7pPr>
-            <a:lvl8pPr marL="3200400" indent="0">
-              <a:buNone/>
-              <a:defRPr sz="2000"/>
+            <a:lvl8pPr marL="2394219" indent="0">
+              <a:buNone/>
+              <a:defRPr sz="1496"/>
             </a:lvl8pPr>
-            <a:lvl9pPr marL="3657600" indent="0">
-              <a:buNone/>
-              <a:defRPr sz="2000"/>
+            <a:lvl9pPr marL="2736251" indent="0">
+              <a:buNone/>
+              <a:defRPr sz="1496"/>
             </a:lvl9pPr>
           </a:lstStyle>
           <a:p>
-            <a:endParaRPr lang="zh-CN" altLang="en-US"/>
-          </a:p>
-        </p:txBody>
-      </p:sp>
-      <p:sp>
-        <p:nvSpPr>
-          <p:cNvPr id="4" name="文本占位符 3">
-            <a:extLst>
-              <a:ext uri="{FF2B5EF4-FFF2-40B4-BE49-F238E27FC236}">
-                <a16:creationId xmlns:a16="http://schemas.microsoft.com/office/drawing/2014/main" id="{3B2549D5-FC0C-BCD9-7DEA-DAAFBD171CF9}"/>
-              </a:ext>
-            </a:extLst>
-          </p:cNvPr>
+            <a:r>
+              <a:rPr lang="zh-CN" altLang="en-US"/>
+              <a:t>单击图标添加图片</a:t>
+            </a:r>
+            <a:endParaRPr lang="en-US" dirty="0"/>
+          </a:p>
+        </p:txBody>
+      </p:sp>
+      <p:sp>
+        <p:nvSpPr>
+          <p:cNvPr id="4" name="Text Placeholder 3"/>
           <p:cNvSpPr>
             <a:spLocks noGrp="1"/>
           </p:cNvSpPr>
@@ -2587,8 +2284,8 @@
         </p:nvSpPr>
         <p:spPr>
           <a:xfrm>
-            <a:off x="839788" y="2057400"/>
-            <a:ext cx="3932237" cy="3811588"/>
+            <a:off x="471178" y="1836420"/>
+            <a:ext cx="2206252" cy="3402195"/>
           </a:xfrm>
         </p:spPr>
         <p:txBody>
@@ -2596,39 +2293,39 @@
           <a:lstStyle>
             <a:lvl1pPr marL="0" indent="0">
               <a:buNone/>
-              <a:defRPr sz="1600"/>
+              <a:defRPr sz="1197"/>
             </a:lvl1pPr>
-            <a:lvl2pPr marL="457200" indent="0">
-              <a:buNone/>
-              <a:defRPr sz="1400"/>
+            <a:lvl2pPr marL="342031" indent="0">
+              <a:buNone/>
+              <a:defRPr sz="1047"/>
             </a:lvl2pPr>
-            <a:lvl3pPr marL="914400" indent="0">
-              <a:buNone/>
-              <a:defRPr sz="1200"/>
+            <a:lvl3pPr marL="684063" indent="0">
+              <a:buNone/>
+              <a:defRPr sz="898"/>
             </a:lvl3pPr>
-            <a:lvl4pPr marL="1371600" indent="0">
-              <a:buNone/>
-              <a:defRPr sz="1000"/>
+            <a:lvl4pPr marL="1026094" indent="0">
+              <a:buNone/>
+              <a:defRPr sz="748"/>
             </a:lvl4pPr>
-            <a:lvl5pPr marL="1828800" indent="0">
-              <a:buNone/>
-              <a:defRPr sz="1000"/>
+            <a:lvl5pPr marL="1368125" indent="0">
+              <a:buNone/>
+              <a:defRPr sz="748"/>
             </a:lvl5pPr>
-            <a:lvl6pPr marL="2286000" indent="0">
-              <a:buNone/>
-              <a:defRPr sz="1000"/>
+            <a:lvl6pPr marL="1710157" indent="0">
+              <a:buNone/>
+              <a:defRPr sz="748"/>
             </a:lvl6pPr>
-            <a:lvl7pPr marL="2743200" indent="0">
-              <a:buNone/>
-              <a:defRPr sz="1000"/>
+            <a:lvl7pPr marL="2052188" indent="0">
+              <a:buNone/>
+              <a:defRPr sz="748"/>
             </a:lvl7pPr>
-            <a:lvl8pPr marL="3200400" indent="0">
-              <a:buNone/>
-              <a:defRPr sz="1000"/>
+            <a:lvl8pPr marL="2394219" indent="0">
+              <a:buNone/>
+              <a:defRPr sz="748"/>
             </a:lvl8pPr>
-            <a:lvl9pPr marL="3657600" indent="0">
-              <a:buNone/>
-              <a:defRPr sz="1000"/>
+            <a:lvl9pPr marL="2736251" indent="0">
+              <a:buNone/>
+              <a:defRPr sz="748"/>
             </a:lvl9pPr>
           </a:lstStyle>
           <a:p>
@@ -2642,13 +2339,7 @@
       </p:sp>
       <p:sp>
         <p:nvSpPr>
-          <p:cNvPr id="5" name="日期占位符 4">
-            <a:extLst>
-              <a:ext uri="{FF2B5EF4-FFF2-40B4-BE49-F238E27FC236}">
-                <a16:creationId xmlns:a16="http://schemas.microsoft.com/office/drawing/2014/main" id="{BF832255-3950-BEE5-C67C-9AF75CF3B17E}"/>
-              </a:ext>
-            </a:extLst>
-          </p:cNvPr>
+          <p:cNvPr id="5" name="Date Placeholder 4"/>
           <p:cNvSpPr>
             <a:spLocks noGrp="1"/>
           </p:cNvSpPr>
@@ -2663,7 +2354,7 @@
           <a:p>
             <a:fld id="{7C19D40C-AEA0-42EF-A163-0BB90F9850AA}" type="datetimeFigureOut">
               <a:rPr lang="zh-CN" altLang="en-US" smtClean="0"/>
-              <a:t>2022/5/7</a:t>
+              <a:t>2022/5/9</a:t>
             </a:fld>
             <a:endParaRPr lang="zh-CN" altLang="en-US"/>
           </a:p>
@@ -2671,13 +2362,7 @@
       </p:sp>
       <p:sp>
         <p:nvSpPr>
-          <p:cNvPr id="6" name="页脚占位符 5">
-            <a:extLst>
-              <a:ext uri="{FF2B5EF4-FFF2-40B4-BE49-F238E27FC236}">
-                <a16:creationId xmlns:a16="http://schemas.microsoft.com/office/drawing/2014/main" id="{D3434077-BB9E-CDA4-DDE1-38BB192B5607}"/>
-              </a:ext>
-            </a:extLst>
-          </p:cNvPr>
+          <p:cNvPr id="6" name="Footer Placeholder 5"/>
           <p:cNvSpPr>
             <a:spLocks noGrp="1"/>
           </p:cNvSpPr>
@@ -2696,13 +2381,7 @@
       </p:sp>
       <p:sp>
         <p:nvSpPr>
-          <p:cNvPr id="7" name="灯片编号占位符 6">
-            <a:extLst>
-              <a:ext uri="{FF2B5EF4-FFF2-40B4-BE49-F238E27FC236}">
-                <a16:creationId xmlns:a16="http://schemas.microsoft.com/office/drawing/2014/main" id="{09321E9A-FD92-DCD7-EE4B-604CBF694682}"/>
-              </a:ext>
-            </a:extLst>
-          </p:cNvPr>
+          <p:cNvPr id="7" name="Slide Number Placeholder 6"/>
           <p:cNvSpPr>
             <a:spLocks noGrp="1"/>
           </p:cNvSpPr>
@@ -2726,7 +2405,7 @@
     </p:spTree>
     <p:extLst>
       <p:ext uri="{BB962C8B-B14F-4D97-AF65-F5344CB8AC3E}">
-        <p14:creationId xmlns:p14="http://schemas.microsoft.com/office/powerpoint/2010/main" val="2084964211"/>
+        <p14:creationId xmlns:p14="http://schemas.microsoft.com/office/powerpoint/2010/main" val="3789931325"/>
       </p:ext>
     </p:extLst>
   </p:cSld>
@@ -2760,13 +2439,7 @@
       </p:grpSpPr>
       <p:sp>
         <p:nvSpPr>
-          <p:cNvPr id="2" name="标题占位符 1">
-            <a:extLst>
-              <a:ext uri="{FF2B5EF4-FFF2-40B4-BE49-F238E27FC236}">
-                <a16:creationId xmlns:a16="http://schemas.microsoft.com/office/drawing/2014/main" id="{0C3C3B40-FA26-2117-0A57-D2637B0FF802}"/>
-              </a:ext>
-            </a:extLst>
-          </p:cNvPr>
+          <p:cNvPr id="2" name="Title Placeholder 1"/>
           <p:cNvSpPr>
             <a:spLocks noGrp="1"/>
           </p:cNvSpPr>
@@ -2776,8 +2449,8 @@
         </p:nvSpPr>
         <p:spPr>
           <a:xfrm>
-            <a:off x="838200" y="365125"/>
-            <a:ext cx="10515600" cy="1325563"/>
+            <a:off x="470287" y="325909"/>
+            <a:ext cx="5899964" cy="1183188"/>
           </a:xfrm>
           <a:prstGeom prst="rect">
             <a:avLst/>
@@ -2793,18 +2466,13 @@
               <a:rPr lang="zh-CN" altLang="en-US"/>
               <a:t>单击此处编辑母版标题样式</a:t>
             </a:r>
-          </a:p>
-        </p:txBody>
-      </p:sp>
-      <p:sp>
-        <p:nvSpPr>
-          <p:cNvPr id="3" name="文本占位符 2">
-            <a:extLst>
-              <a:ext uri="{FF2B5EF4-FFF2-40B4-BE49-F238E27FC236}">
-                <a16:creationId xmlns:a16="http://schemas.microsoft.com/office/drawing/2014/main" id="{D2FA7BD8-5027-C43E-D478-9D896D0E5C94}"/>
-              </a:ext>
-            </a:extLst>
-          </p:cNvPr>
+            <a:endParaRPr lang="en-US" dirty="0"/>
+          </a:p>
+        </p:txBody>
+      </p:sp>
+      <p:sp>
+        <p:nvSpPr>
+          <p:cNvPr id="3" name="Text Placeholder 2"/>
           <p:cNvSpPr>
             <a:spLocks noGrp="1"/>
           </p:cNvSpPr>
@@ -2814,8 +2482,8 @@
         </p:nvSpPr>
         <p:spPr>
           <a:xfrm>
-            <a:off x="838200" y="1825625"/>
-            <a:ext cx="10515600" cy="4351338"/>
+            <a:off x="470287" y="1629539"/>
+            <a:ext cx="5899964" cy="3883972"/>
           </a:xfrm>
           <a:prstGeom prst="rect">
             <a:avLst/>
@@ -2860,18 +2528,13 @@
               <a:rPr lang="zh-CN" altLang="en-US"/>
               <a:t>五级</a:t>
             </a:r>
-          </a:p>
-        </p:txBody>
-      </p:sp>
-      <p:sp>
-        <p:nvSpPr>
-          <p:cNvPr id="4" name="日期占位符 3">
-            <a:extLst>
-              <a:ext uri="{FF2B5EF4-FFF2-40B4-BE49-F238E27FC236}">
-                <a16:creationId xmlns:a16="http://schemas.microsoft.com/office/drawing/2014/main" id="{D182AEA7-A7AD-15C9-818E-50CF6F9B48B8}"/>
-              </a:ext>
-            </a:extLst>
-          </p:cNvPr>
+            <a:endParaRPr lang="en-US" dirty="0"/>
+          </a:p>
+        </p:txBody>
+      </p:sp>
+      <p:sp>
+        <p:nvSpPr>
+          <p:cNvPr id="4" name="Date Placeholder 3"/>
           <p:cNvSpPr>
             <a:spLocks noGrp="1"/>
           </p:cNvSpPr>
@@ -2881,8 +2544,8 @@
         </p:nvSpPr>
         <p:spPr>
           <a:xfrm>
-            <a:off x="838200" y="6356350"/>
-            <a:ext cx="2743200" cy="365125"/>
+            <a:off x="470287" y="5673632"/>
+            <a:ext cx="1539121" cy="325908"/>
           </a:xfrm>
           <a:prstGeom prst="rect">
             <a:avLst/>
@@ -2892,7 +2555,7 @@
           <a:bodyPr vert="horz" lIns="91440" tIns="45720" rIns="91440" bIns="45720" rtlCol="0" anchor="ctr"/>
           <a:lstStyle>
             <a:lvl1pPr algn="l">
-              <a:defRPr sz="1200">
+              <a:defRPr sz="898">
                 <a:solidFill>
                   <a:schemeClr val="tx1">
                     <a:tint val="75000"/>
@@ -2904,7 +2567,7 @@
           <a:p>
             <a:fld id="{7C19D40C-AEA0-42EF-A163-0BB90F9850AA}" type="datetimeFigureOut">
               <a:rPr lang="zh-CN" altLang="en-US" smtClean="0"/>
-              <a:t>2022/5/7</a:t>
+              <a:t>2022/5/9</a:t>
             </a:fld>
             <a:endParaRPr lang="zh-CN" altLang="en-US"/>
           </a:p>
@@ -2912,13 +2575,7 @@
       </p:sp>
       <p:sp>
         <p:nvSpPr>
-          <p:cNvPr id="5" name="页脚占位符 4">
-            <a:extLst>
-              <a:ext uri="{FF2B5EF4-FFF2-40B4-BE49-F238E27FC236}">
-                <a16:creationId xmlns:a16="http://schemas.microsoft.com/office/drawing/2014/main" id="{C3FD4EDA-F301-EF1E-97A8-97FC97CEE1C6}"/>
-              </a:ext>
-            </a:extLst>
-          </p:cNvPr>
+          <p:cNvPr id="5" name="Footer Placeholder 4"/>
           <p:cNvSpPr>
             <a:spLocks noGrp="1"/>
           </p:cNvSpPr>
@@ -2928,8 +2585,8 @@
         </p:nvSpPr>
         <p:spPr>
           <a:xfrm>
-            <a:off x="4038600" y="6356350"/>
-            <a:ext cx="4114800" cy="365125"/>
+            <a:off x="2265928" y="5673632"/>
+            <a:ext cx="2308682" cy="325908"/>
           </a:xfrm>
           <a:prstGeom prst="rect">
             <a:avLst/>
@@ -2939,7 +2596,7 @@
           <a:bodyPr vert="horz" lIns="91440" tIns="45720" rIns="91440" bIns="45720" rtlCol="0" anchor="ctr"/>
           <a:lstStyle>
             <a:lvl1pPr algn="ctr">
-              <a:defRPr sz="1200">
+              <a:defRPr sz="898">
                 <a:solidFill>
                   <a:schemeClr val="tx1">
                     <a:tint val="75000"/>
@@ -2955,13 +2612,7 @@
       </p:sp>
       <p:sp>
         <p:nvSpPr>
-          <p:cNvPr id="6" name="灯片编号占位符 5">
-            <a:extLst>
-              <a:ext uri="{FF2B5EF4-FFF2-40B4-BE49-F238E27FC236}">
-                <a16:creationId xmlns:a16="http://schemas.microsoft.com/office/drawing/2014/main" id="{FB46B224-3AE0-34E0-095F-0A9F13BFBDA1}"/>
-              </a:ext>
-            </a:extLst>
-          </p:cNvPr>
+          <p:cNvPr id="6" name="Slide Number Placeholder 5"/>
           <p:cNvSpPr>
             <a:spLocks noGrp="1"/>
           </p:cNvSpPr>
@@ -2971,8 +2622,8 @@
         </p:nvSpPr>
         <p:spPr>
           <a:xfrm>
-            <a:off x="8610600" y="6356350"/>
-            <a:ext cx="2743200" cy="365125"/>
+            <a:off x="4831130" y="5673632"/>
+            <a:ext cx="1539121" cy="325908"/>
           </a:xfrm>
           <a:prstGeom prst="rect">
             <a:avLst/>
@@ -2982,7 +2633,7 @@
           <a:bodyPr vert="horz" lIns="91440" tIns="45720" rIns="91440" bIns="45720" rtlCol="0" anchor="ctr"/>
           <a:lstStyle>
             <a:lvl1pPr algn="r">
-              <a:defRPr sz="1200">
+              <a:defRPr sz="898">
                 <a:solidFill>
                   <a:schemeClr val="tx1">
                     <a:tint val="75000"/>
@@ -3003,27 +2654,27 @@
     </p:spTree>
     <p:extLst>
       <p:ext uri="{BB962C8B-B14F-4D97-AF65-F5344CB8AC3E}">
-        <p14:creationId xmlns:p14="http://schemas.microsoft.com/office/powerpoint/2010/main" val="1065255490"/>
+        <p14:creationId xmlns:p14="http://schemas.microsoft.com/office/powerpoint/2010/main" val="3172618396"/>
       </p:ext>
     </p:extLst>
   </p:cSld>
   <p:clrMap bg1="lt1" tx1="dk1" bg2="lt2" tx2="dk2" accent1="accent1" accent2="accent2" accent3="accent3" accent4="accent4" accent5="accent5" accent6="accent6" hlink="hlink" folHlink="folHlink"/>
   <p:sldLayoutIdLst>
-    <p:sldLayoutId id="2147483649" r:id="rId1"/>
-    <p:sldLayoutId id="2147483650" r:id="rId2"/>
-    <p:sldLayoutId id="2147483651" r:id="rId3"/>
-    <p:sldLayoutId id="2147483652" r:id="rId4"/>
-    <p:sldLayoutId id="2147483653" r:id="rId5"/>
-    <p:sldLayoutId id="2147483654" r:id="rId6"/>
-    <p:sldLayoutId id="2147483655" r:id="rId7"/>
-    <p:sldLayoutId id="2147483656" r:id="rId8"/>
-    <p:sldLayoutId id="2147483657" r:id="rId9"/>
-    <p:sldLayoutId id="2147483658" r:id="rId10"/>
-    <p:sldLayoutId id="2147483659" r:id="rId11"/>
+    <p:sldLayoutId id="2147483685" r:id="rId1"/>
+    <p:sldLayoutId id="2147483686" r:id="rId2"/>
+    <p:sldLayoutId id="2147483687" r:id="rId3"/>
+    <p:sldLayoutId id="2147483688" r:id="rId4"/>
+    <p:sldLayoutId id="2147483689" r:id="rId5"/>
+    <p:sldLayoutId id="2147483690" r:id="rId6"/>
+    <p:sldLayoutId id="2147483691" r:id="rId7"/>
+    <p:sldLayoutId id="2147483692" r:id="rId8"/>
+    <p:sldLayoutId id="2147483693" r:id="rId9"/>
+    <p:sldLayoutId id="2147483694" r:id="rId10"/>
+    <p:sldLayoutId id="2147483695" r:id="rId11"/>
   </p:sldLayoutIdLst>
   <p:txStyles>
     <p:titleStyle>
-      <a:lvl1pPr algn="l" defTabSz="914400" rtl="0" eaLnBrk="1" latinLnBrk="0" hangingPunct="1">
+      <a:lvl1pPr algn="l" defTabSz="684063" rtl="0" eaLnBrk="1" latinLnBrk="0" hangingPunct="1">
         <a:lnSpc>
           <a:spcPct val="90000"/>
         </a:lnSpc>
@@ -3031,7 +2682,7 @@
           <a:spcPct val="0"/>
         </a:spcBef>
         <a:buNone/>
-        <a:defRPr sz="4400" kern="1200">
+        <a:defRPr sz="3292" kern="1200">
           <a:solidFill>
             <a:schemeClr val="tx1"/>
           </a:solidFill>
@@ -3042,16 +2693,16 @@
       </a:lvl1pPr>
     </p:titleStyle>
     <p:bodyStyle>
-      <a:lvl1pPr marL="228600" indent="-228600" algn="l" defTabSz="914400" rtl="0" eaLnBrk="1" latinLnBrk="0" hangingPunct="1">
+      <a:lvl1pPr marL="171016" indent="-171016" algn="l" defTabSz="684063" rtl="0" eaLnBrk="1" latinLnBrk="0" hangingPunct="1">
         <a:lnSpc>
           <a:spcPct val="90000"/>
         </a:lnSpc>
         <a:spcBef>
-          <a:spcPts val="1000"/>
+          <a:spcPts val="748"/>
         </a:spcBef>
         <a:buFont typeface="Arial" panose="020B0604020202020204" pitchFamily="34" charset="0"/>
         <a:buChar char="•"/>
-        <a:defRPr sz="2800" kern="1200">
+        <a:defRPr sz="2095" kern="1200">
           <a:solidFill>
             <a:schemeClr val="tx1"/>
           </a:solidFill>
@@ -3060,16 +2711,16 @@
           <a:cs typeface="+mn-cs"/>
         </a:defRPr>
       </a:lvl1pPr>
-      <a:lvl2pPr marL="685800" indent="-228600" algn="l" defTabSz="914400" rtl="0" eaLnBrk="1" latinLnBrk="0" hangingPunct="1">
+      <a:lvl2pPr marL="513047" indent="-171016" algn="l" defTabSz="684063" rtl="0" eaLnBrk="1" latinLnBrk="0" hangingPunct="1">
         <a:lnSpc>
           <a:spcPct val="90000"/>
         </a:lnSpc>
         <a:spcBef>
-          <a:spcPts val="500"/>
+          <a:spcPts val="374"/>
         </a:spcBef>
         <a:buFont typeface="Arial" panose="020B0604020202020204" pitchFamily="34" charset="0"/>
         <a:buChar char="•"/>
-        <a:defRPr sz="2400" kern="1200">
+        <a:defRPr sz="1795" kern="1200">
           <a:solidFill>
             <a:schemeClr val="tx1"/>
           </a:solidFill>
@@ -3078,16 +2729,16 @@
           <a:cs typeface="+mn-cs"/>
         </a:defRPr>
       </a:lvl2pPr>
-      <a:lvl3pPr marL="1143000" indent="-228600" algn="l" defTabSz="914400" rtl="0" eaLnBrk="1" latinLnBrk="0" hangingPunct="1">
+      <a:lvl3pPr marL="855078" indent="-171016" algn="l" defTabSz="684063" rtl="0" eaLnBrk="1" latinLnBrk="0" hangingPunct="1">
         <a:lnSpc>
           <a:spcPct val="90000"/>
         </a:lnSpc>
         <a:spcBef>
-          <a:spcPts val="500"/>
+          <a:spcPts val="374"/>
         </a:spcBef>
         <a:buFont typeface="Arial" panose="020B0604020202020204" pitchFamily="34" charset="0"/>
         <a:buChar char="•"/>
-        <a:defRPr sz="2000" kern="1200">
+        <a:defRPr sz="1496" kern="1200">
           <a:solidFill>
             <a:schemeClr val="tx1"/>
           </a:solidFill>
@@ -3096,16 +2747,16 @@
           <a:cs typeface="+mn-cs"/>
         </a:defRPr>
       </a:lvl3pPr>
-      <a:lvl4pPr marL="1600200" indent="-228600" algn="l" defTabSz="914400" rtl="0" eaLnBrk="1" latinLnBrk="0" hangingPunct="1">
+      <a:lvl4pPr marL="1197110" indent="-171016" algn="l" defTabSz="684063" rtl="0" eaLnBrk="1" latinLnBrk="0" hangingPunct="1">
         <a:lnSpc>
           <a:spcPct val="90000"/>
         </a:lnSpc>
         <a:spcBef>
-          <a:spcPts val="500"/>
+          <a:spcPts val="374"/>
         </a:spcBef>
         <a:buFont typeface="Arial" panose="020B0604020202020204" pitchFamily="34" charset="0"/>
         <a:buChar char="•"/>
-        <a:defRPr sz="1800" kern="1200">
+        <a:defRPr sz="1347" kern="1200">
           <a:solidFill>
             <a:schemeClr val="tx1"/>
           </a:solidFill>
@@ -3114,16 +2765,16 @@
           <a:cs typeface="+mn-cs"/>
         </a:defRPr>
       </a:lvl4pPr>
-      <a:lvl5pPr marL="2057400" indent="-228600" algn="l" defTabSz="914400" rtl="0" eaLnBrk="1" latinLnBrk="0" hangingPunct="1">
+      <a:lvl5pPr marL="1539141" indent="-171016" algn="l" defTabSz="684063" rtl="0" eaLnBrk="1" latinLnBrk="0" hangingPunct="1">
         <a:lnSpc>
           <a:spcPct val="90000"/>
         </a:lnSpc>
         <a:spcBef>
-          <a:spcPts val="500"/>
+          <a:spcPts val="374"/>
         </a:spcBef>
         <a:buFont typeface="Arial" panose="020B0604020202020204" pitchFamily="34" charset="0"/>
         <a:buChar char="•"/>
-        <a:defRPr sz="1800" kern="1200">
+        <a:defRPr sz="1347" kern="1200">
           <a:solidFill>
             <a:schemeClr val="tx1"/>
           </a:solidFill>
@@ -3132,16 +2783,16 @@
           <a:cs typeface="+mn-cs"/>
         </a:defRPr>
       </a:lvl5pPr>
-      <a:lvl6pPr marL="2514600" indent="-228600" algn="l" defTabSz="914400" rtl="0" eaLnBrk="1" latinLnBrk="0" hangingPunct="1">
+      <a:lvl6pPr marL="1881172" indent="-171016" algn="l" defTabSz="684063" rtl="0" eaLnBrk="1" latinLnBrk="0" hangingPunct="1">
         <a:lnSpc>
           <a:spcPct val="90000"/>
         </a:lnSpc>
         <a:spcBef>
-          <a:spcPts val="500"/>
+          <a:spcPts val="374"/>
         </a:spcBef>
         <a:buFont typeface="Arial" panose="020B0604020202020204" pitchFamily="34" charset="0"/>
         <a:buChar char="•"/>
-        <a:defRPr sz="1800" kern="1200">
+        <a:defRPr sz="1347" kern="1200">
           <a:solidFill>
             <a:schemeClr val="tx1"/>
           </a:solidFill>
@@ -3150,16 +2801,16 @@
           <a:cs typeface="+mn-cs"/>
         </a:defRPr>
       </a:lvl6pPr>
-      <a:lvl7pPr marL="2971800" indent="-228600" algn="l" defTabSz="914400" rtl="0" eaLnBrk="1" latinLnBrk="0" hangingPunct="1">
+      <a:lvl7pPr marL="2223204" indent="-171016" algn="l" defTabSz="684063" rtl="0" eaLnBrk="1" latinLnBrk="0" hangingPunct="1">
         <a:lnSpc>
           <a:spcPct val="90000"/>
         </a:lnSpc>
         <a:spcBef>
-          <a:spcPts val="500"/>
+          <a:spcPts val="374"/>
         </a:spcBef>
         <a:buFont typeface="Arial" panose="020B0604020202020204" pitchFamily="34" charset="0"/>
         <a:buChar char="•"/>
-        <a:defRPr sz="1800" kern="1200">
+        <a:defRPr sz="1347" kern="1200">
           <a:solidFill>
             <a:schemeClr val="tx1"/>
           </a:solidFill>
@@ -3168,16 +2819,16 @@
           <a:cs typeface="+mn-cs"/>
         </a:defRPr>
       </a:lvl7pPr>
-      <a:lvl8pPr marL="3429000" indent="-228600" algn="l" defTabSz="914400" rtl="0" eaLnBrk="1" latinLnBrk="0" hangingPunct="1">
+      <a:lvl8pPr marL="2565235" indent="-171016" algn="l" defTabSz="684063" rtl="0" eaLnBrk="1" latinLnBrk="0" hangingPunct="1">
         <a:lnSpc>
           <a:spcPct val="90000"/>
         </a:lnSpc>
         <a:spcBef>
-          <a:spcPts val="500"/>
+          <a:spcPts val="374"/>
         </a:spcBef>
         <a:buFont typeface="Arial" panose="020B0604020202020204" pitchFamily="34" charset="0"/>
         <a:buChar char="•"/>
-        <a:defRPr sz="1800" kern="1200">
+        <a:defRPr sz="1347" kern="1200">
           <a:solidFill>
             <a:schemeClr val="tx1"/>
           </a:solidFill>
@@ -3186,16 +2837,16 @@
           <a:cs typeface="+mn-cs"/>
         </a:defRPr>
       </a:lvl8pPr>
-      <a:lvl9pPr marL="3886200" indent="-228600" algn="l" defTabSz="914400" rtl="0" eaLnBrk="1" latinLnBrk="0" hangingPunct="1">
+      <a:lvl9pPr marL="2907266" indent="-171016" algn="l" defTabSz="684063" rtl="0" eaLnBrk="1" latinLnBrk="0" hangingPunct="1">
         <a:lnSpc>
           <a:spcPct val="90000"/>
         </a:lnSpc>
         <a:spcBef>
-          <a:spcPts val="500"/>
+          <a:spcPts val="374"/>
         </a:spcBef>
         <a:buFont typeface="Arial" panose="020B0604020202020204" pitchFamily="34" charset="0"/>
         <a:buChar char="•"/>
-        <a:defRPr sz="1800" kern="1200">
+        <a:defRPr sz="1347" kern="1200">
           <a:solidFill>
             <a:schemeClr val="tx1"/>
           </a:solidFill>
@@ -3207,10 +2858,10 @@
     </p:bodyStyle>
     <p:otherStyle>
       <a:defPPr>
-        <a:defRPr lang="zh-CN"/>
+        <a:defRPr lang="en-US"/>
       </a:defPPr>
-      <a:lvl1pPr marL="0" algn="l" defTabSz="914400" rtl="0" eaLnBrk="1" latinLnBrk="0" hangingPunct="1">
-        <a:defRPr sz="1800" kern="1200">
+      <a:lvl1pPr marL="0" algn="l" defTabSz="684063" rtl="0" eaLnBrk="1" latinLnBrk="0" hangingPunct="1">
+        <a:defRPr sz="1347" kern="1200">
           <a:solidFill>
             <a:schemeClr val="tx1"/>
           </a:solidFill>
@@ -3219,8 +2870,8 @@
           <a:cs typeface="+mn-cs"/>
         </a:defRPr>
       </a:lvl1pPr>
-      <a:lvl2pPr marL="457200" algn="l" defTabSz="914400" rtl="0" eaLnBrk="1" latinLnBrk="0" hangingPunct="1">
-        <a:defRPr sz="1800" kern="1200">
+      <a:lvl2pPr marL="342031" algn="l" defTabSz="684063" rtl="0" eaLnBrk="1" latinLnBrk="0" hangingPunct="1">
+        <a:defRPr sz="1347" kern="1200">
           <a:solidFill>
             <a:schemeClr val="tx1"/>
           </a:solidFill>
@@ -3229,8 +2880,8 @@
           <a:cs typeface="+mn-cs"/>
         </a:defRPr>
       </a:lvl2pPr>
-      <a:lvl3pPr marL="914400" algn="l" defTabSz="914400" rtl="0" eaLnBrk="1" latinLnBrk="0" hangingPunct="1">
-        <a:defRPr sz="1800" kern="1200">
+      <a:lvl3pPr marL="684063" algn="l" defTabSz="684063" rtl="0" eaLnBrk="1" latinLnBrk="0" hangingPunct="1">
+        <a:defRPr sz="1347" kern="1200">
           <a:solidFill>
             <a:schemeClr val="tx1"/>
           </a:solidFill>
@@ -3239,8 +2890,8 @@
           <a:cs typeface="+mn-cs"/>
         </a:defRPr>
       </a:lvl3pPr>
-      <a:lvl4pPr marL="1371600" algn="l" defTabSz="914400" rtl="0" eaLnBrk="1" latinLnBrk="0" hangingPunct="1">
-        <a:defRPr sz="1800" kern="1200">
+      <a:lvl4pPr marL="1026094" algn="l" defTabSz="684063" rtl="0" eaLnBrk="1" latinLnBrk="0" hangingPunct="1">
+        <a:defRPr sz="1347" kern="1200">
           <a:solidFill>
             <a:schemeClr val="tx1"/>
           </a:solidFill>
@@ -3249,8 +2900,8 @@
           <a:cs typeface="+mn-cs"/>
         </a:defRPr>
       </a:lvl4pPr>
-      <a:lvl5pPr marL="1828800" algn="l" defTabSz="914400" rtl="0" eaLnBrk="1" latinLnBrk="0" hangingPunct="1">
-        <a:defRPr sz="1800" kern="1200">
+      <a:lvl5pPr marL="1368125" algn="l" defTabSz="684063" rtl="0" eaLnBrk="1" latinLnBrk="0" hangingPunct="1">
+        <a:defRPr sz="1347" kern="1200">
           <a:solidFill>
             <a:schemeClr val="tx1"/>
           </a:solidFill>
@@ -3259,8 +2910,8 @@
           <a:cs typeface="+mn-cs"/>
         </a:defRPr>
       </a:lvl5pPr>
-      <a:lvl6pPr marL="2286000" algn="l" defTabSz="914400" rtl="0" eaLnBrk="1" latinLnBrk="0" hangingPunct="1">
-        <a:defRPr sz="1800" kern="1200">
+      <a:lvl6pPr marL="1710157" algn="l" defTabSz="684063" rtl="0" eaLnBrk="1" latinLnBrk="0" hangingPunct="1">
+        <a:defRPr sz="1347" kern="1200">
           <a:solidFill>
             <a:schemeClr val="tx1"/>
           </a:solidFill>
@@ -3269,8 +2920,8 @@
           <a:cs typeface="+mn-cs"/>
         </a:defRPr>
       </a:lvl6pPr>
-      <a:lvl7pPr marL="2743200" algn="l" defTabSz="914400" rtl="0" eaLnBrk="1" latinLnBrk="0" hangingPunct="1">
-        <a:defRPr sz="1800" kern="1200">
+      <a:lvl7pPr marL="2052188" algn="l" defTabSz="684063" rtl="0" eaLnBrk="1" latinLnBrk="0" hangingPunct="1">
+        <a:defRPr sz="1347" kern="1200">
           <a:solidFill>
             <a:schemeClr val="tx1"/>
           </a:solidFill>
@@ -3279,8 +2930,8 @@
           <a:cs typeface="+mn-cs"/>
         </a:defRPr>
       </a:lvl7pPr>
-      <a:lvl8pPr marL="3200400" algn="l" defTabSz="914400" rtl="0" eaLnBrk="1" latinLnBrk="0" hangingPunct="1">
-        <a:defRPr sz="1800" kern="1200">
+      <a:lvl8pPr marL="2394219" algn="l" defTabSz="684063" rtl="0" eaLnBrk="1" latinLnBrk="0" hangingPunct="1">
+        <a:defRPr sz="1347" kern="1200">
           <a:solidFill>
             <a:schemeClr val="tx1"/>
           </a:solidFill>
@@ -3289,8 +2940,8 @@
           <a:cs typeface="+mn-cs"/>
         </a:defRPr>
       </a:lvl8pPr>
-      <a:lvl9pPr marL="3657600" algn="l" defTabSz="914400" rtl="0" eaLnBrk="1" latinLnBrk="0" hangingPunct="1">
-        <a:defRPr sz="1800" kern="1200">
+      <a:lvl9pPr marL="2736251" algn="l" defTabSz="684063" rtl="0" eaLnBrk="1" latinLnBrk="0" hangingPunct="1">
+        <a:defRPr sz="1347" kern="1200">
           <a:solidFill>
             <a:schemeClr val="tx1"/>
           </a:solidFill>
@@ -3349,8 +3000,8 @@
         </p:blipFill>
         <p:spPr>
           <a:xfrm>
-            <a:off x="0" y="12615"/>
-            <a:ext cx="12192000" cy="4008707"/>
+            <a:off x="0" y="1143879"/>
+            <a:ext cx="6840538" cy="2249157"/>
           </a:xfrm>
           <a:prstGeom prst="rect">
             <a:avLst/>
@@ -3386,8 +3037,8 @@
         </p:blipFill>
         <p:spPr bwMode="auto">
           <a:xfrm>
-            <a:off x="85664" y="3770829"/>
-            <a:ext cx="12033111" cy="2119895"/>
+            <a:off x="48067" y="3252490"/>
+            <a:ext cx="6751391" cy="1189406"/>
           </a:xfrm>
           <a:prstGeom prst="rect">
             <a:avLst/>
@@ -3418,8 +3069,8 @@
         </p:nvSpPr>
         <p:spPr>
           <a:xfrm>
-            <a:off x="31100" y="3696189"/>
-            <a:ext cx="12118775" cy="2318947"/>
+            <a:off x="17455" y="3210611"/>
+            <a:ext cx="6799453" cy="1301086"/>
           </a:xfrm>
           <a:prstGeom prst="rect">
             <a:avLst/>
@@ -3452,7 +3103,7 @@
           <a:lstStyle/>
           <a:p>
             <a:pPr algn="ctr"/>
-            <a:endParaRPr lang="zh-CN" altLang="en-US"/>
+            <a:endParaRPr lang="zh-CN" altLang="en-US" sz="1009"/>
           </a:p>
         </p:txBody>
       </p:sp>
@@ -3470,8 +3121,8 @@
         </p:nvSpPr>
         <p:spPr>
           <a:xfrm>
-            <a:off x="85664" y="5431673"/>
-            <a:ext cx="510073" cy="510073"/>
+            <a:off x="48065" y="4184338"/>
+            <a:ext cx="286186" cy="286186"/>
           </a:xfrm>
           <a:prstGeom prst="ellipse">
             <a:avLst/>
@@ -3507,14 +3158,14 @@
           <a:p>
             <a:pPr algn="ctr"/>
             <a:r>
-              <a:rPr lang="en-US" altLang="zh-CN" sz="3600" b="1" dirty="0">
+              <a:rPr lang="en-US" altLang="zh-CN" sz="2021" b="1" dirty="0">
                 <a:solidFill>
                   <a:schemeClr val="tx1"/>
                 </a:solidFill>
               </a:rPr>
               <a:t>4</a:t>
             </a:r>
-            <a:endParaRPr lang="zh-CN" altLang="en-US" sz="3600" b="1" dirty="0">
+            <a:endParaRPr lang="zh-CN" altLang="en-US" sz="2021" b="1" dirty="0">
               <a:solidFill>
                 <a:schemeClr val="tx1"/>
               </a:solidFill>
@@ -3535,10 +3186,759 @@
 </p:sld>
 </file>
 
+<file path=ppt/slides/slide2.xml><?xml version="1.0" encoding="utf-8"?>
+<p:sld xmlns:a="http://schemas.openxmlformats.org/drawingml/2006/main" xmlns:r="http://schemas.openxmlformats.org/officeDocument/2006/relationships" xmlns:p="http://schemas.openxmlformats.org/presentationml/2006/main">
+  <p:cSld>
+    <p:spTree>
+      <p:nvGrpSpPr>
+        <p:cNvPr id="1" name=""/>
+        <p:cNvGrpSpPr/>
+        <p:nvPr/>
+      </p:nvGrpSpPr>
+      <p:grpSpPr>
+        <a:xfrm>
+          <a:off x="0" y="0"/>
+          <a:ext cx="0" cy="0"/>
+          <a:chOff x="0" y="0"/>
+          <a:chExt cx="0" cy="0"/>
+        </a:xfrm>
+      </p:grpSpPr>
+      <p:pic>
+        <p:nvPicPr>
+          <p:cNvPr id="4" name="Picture 2">
+            <a:extLst>
+              <a:ext uri="{FF2B5EF4-FFF2-40B4-BE49-F238E27FC236}">
+                <a16:creationId xmlns:a16="http://schemas.microsoft.com/office/drawing/2014/main" id="{707A6ACA-64ED-F442-1141-5AA7CE442434}"/>
+              </a:ext>
+            </a:extLst>
+          </p:cNvPr>
+          <p:cNvPicPr>
+            <a:picLocks noChangeAspect="1" noChangeArrowheads="1"/>
+          </p:cNvPicPr>
+          <p:nvPr/>
+        </p:nvPicPr>
+        <p:blipFill>
+          <a:blip r:embed="rId2">
+            <a:extLst>
+              <a:ext uri="{28A0092B-C50C-407E-A947-70E740481C1C}">
+                <a14:useLocalDpi xmlns:a14="http://schemas.microsoft.com/office/drawing/2010/main" val="0"/>
+              </a:ext>
+            </a:extLst>
+          </a:blip>
+          <a:srcRect/>
+          <a:stretch>
+            <a:fillRect/>
+          </a:stretch>
+        </p:blipFill>
+        <p:spPr bwMode="auto">
+          <a:xfrm>
+            <a:off x="238295" y="144142"/>
+            <a:ext cx="6279267" cy="1106231"/>
+          </a:xfrm>
+          <a:prstGeom prst="rect">
+            <a:avLst/>
+          </a:prstGeom>
+          <a:noFill/>
+          <a:extLst>
+            <a:ext uri="{909E8E84-426E-40DD-AFC4-6F175D3DCCD1}">
+              <a14:hiddenFill xmlns:a14="http://schemas.microsoft.com/office/drawing/2010/main">
+                <a:solidFill>
+                  <a:srgbClr val="FFFFFF"/>
+                </a:solidFill>
+              </a14:hiddenFill>
+            </a:ext>
+          </a:extLst>
+        </p:spPr>
+      </p:pic>
+      <p:pic>
+        <p:nvPicPr>
+          <p:cNvPr id="1026" name="Picture 2">
+            <a:extLst>
+              <a:ext uri="{FF2B5EF4-FFF2-40B4-BE49-F238E27FC236}">
+                <a16:creationId xmlns:a16="http://schemas.microsoft.com/office/drawing/2014/main" id="{81E2D8CA-E51B-36DC-7074-E931F6C0F1EB}"/>
+              </a:ext>
+            </a:extLst>
+          </p:cNvPr>
+          <p:cNvPicPr>
+            <a:picLocks noChangeAspect="1" noChangeArrowheads="1"/>
+          </p:cNvPicPr>
+          <p:nvPr/>
+        </p:nvPicPr>
+        <p:blipFill rotWithShape="1">
+          <a:blip r:embed="rId3">
+            <a:extLst>
+              <a:ext uri="{28A0092B-C50C-407E-A947-70E740481C1C}">
+                <a14:useLocalDpi xmlns:a14="http://schemas.microsoft.com/office/drawing/2010/main" val="0"/>
+              </a:ext>
+            </a:extLst>
+          </a:blip>
+          <a:srcRect l="4193" t="45618" r="9069" b="7346"/>
+          <a:stretch/>
+        </p:blipFill>
+        <p:spPr bwMode="auto">
+          <a:xfrm>
+            <a:off x="258618" y="2434198"/>
+            <a:ext cx="2671681" cy="1172101"/>
+          </a:xfrm>
+          <a:prstGeom prst="rect">
+            <a:avLst/>
+          </a:prstGeom>
+          <a:noFill/>
+          <a:extLst>
+            <a:ext uri="{909E8E84-426E-40DD-AFC4-6F175D3DCCD1}">
+              <a14:hiddenFill xmlns:a14="http://schemas.microsoft.com/office/drawing/2010/main">
+                <a:solidFill>
+                  <a:srgbClr val="FFFFFF"/>
+                </a:solidFill>
+              </a14:hiddenFill>
+            </a:ext>
+          </a:extLst>
+        </p:spPr>
+      </p:pic>
+      <p:pic>
+        <p:nvPicPr>
+          <p:cNvPr id="1028" name="Picture 4">
+            <a:extLst>
+              <a:ext uri="{FF2B5EF4-FFF2-40B4-BE49-F238E27FC236}">
+                <a16:creationId xmlns:a16="http://schemas.microsoft.com/office/drawing/2014/main" id="{3C3827A0-3A41-98A5-5ED3-943F9A15BE5F}"/>
+              </a:ext>
+            </a:extLst>
+          </p:cNvPr>
+          <p:cNvPicPr>
+            <a:picLocks noChangeAspect="1" noChangeArrowheads="1"/>
+          </p:cNvPicPr>
+          <p:nvPr/>
+        </p:nvPicPr>
+        <p:blipFill rotWithShape="1">
+          <a:blip r:embed="rId3">
+            <a:extLst>
+              <a:ext uri="{28A0092B-C50C-407E-A947-70E740481C1C}">
+                <a14:useLocalDpi xmlns:a14="http://schemas.microsoft.com/office/drawing/2010/main" val="0"/>
+              </a:ext>
+            </a:extLst>
+          </a:blip>
+          <a:srcRect l="4089" r="8876" b="62375"/>
+          <a:stretch/>
+        </p:blipFill>
+        <p:spPr bwMode="auto">
+          <a:xfrm>
+            <a:off x="238295" y="1306097"/>
+            <a:ext cx="2692004" cy="1101588"/>
+          </a:xfrm>
+          <a:prstGeom prst="rect">
+            <a:avLst/>
+          </a:prstGeom>
+          <a:noFill/>
+          <a:extLst>
+            <a:ext uri="{909E8E84-426E-40DD-AFC4-6F175D3DCCD1}">
+              <a14:hiddenFill xmlns:a14="http://schemas.microsoft.com/office/drawing/2010/main">
+                <a:solidFill>
+                  <a:srgbClr val="FFFFFF"/>
+                </a:solidFill>
+              </a14:hiddenFill>
+            </a:ext>
+          </a:extLst>
+        </p:spPr>
+      </p:pic>
+      <p:pic>
+        <p:nvPicPr>
+          <p:cNvPr id="1030" name="Picture 6">
+            <a:extLst>
+              <a:ext uri="{FF2B5EF4-FFF2-40B4-BE49-F238E27FC236}">
+                <a16:creationId xmlns:a16="http://schemas.microsoft.com/office/drawing/2014/main" id="{CD26773C-46AB-9139-836D-FA65E806ADF4}"/>
+              </a:ext>
+            </a:extLst>
+          </p:cNvPr>
+          <p:cNvPicPr>
+            <a:picLocks noChangeAspect="1" noChangeArrowheads="1"/>
+          </p:cNvPicPr>
+          <p:nvPr/>
+        </p:nvPicPr>
+        <p:blipFill>
+          <a:blip r:embed="rId4">
+            <a:extLst>
+              <a:ext uri="{28A0092B-C50C-407E-A947-70E740481C1C}">
+                <a14:useLocalDpi xmlns:a14="http://schemas.microsoft.com/office/drawing/2010/main" val="0"/>
+              </a:ext>
+            </a:extLst>
+          </a:blip>
+          <a:srcRect/>
+          <a:stretch>
+            <a:fillRect/>
+          </a:stretch>
+        </p:blipFill>
+        <p:spPr bwMode="auto">
+          <a:xfrm>
+            <a:off x="3074930" y="1385649"/>
+            <a:ext cx="3442632" cy="2185100"/>
+          </a:xfrm>
+          <a:prstGeom prst="rect">
+            <a:avLst/>
+          </a:prstGeom>
+          <a:noFill/>
+          <a:extLst>
+            <a:ext uri="{909E8E84-426E-40DD-AFC4-6F175D3DCCD1}">
+              <a14:hiddenFill xmlns:a14="http://schemas.microsoft.com/office/drawing/2010/main">
+                <a:solidFill>
+                  <a:srgbClr val="FFFFFF"/>
+                </a:solidFill>
+              </a14:hiddenFill>
+            </a:ext>
+          </a:extLst>
+        </p:spPr>
+      </p:pic>
+      <p:pic>
+        <p:nvPicPr>
+          <p:cNvPr id="1032" name="Picture 8">
+            <a:extLst>
+              <a:ext uri="{FF2B5EF4-FFF2-40B4-BE49-F238E27FC236}">
+                <a16:creationId xmlns:a16="http://schemas.microsoft.com/office/drawing/2014/main" id="{14E61B38-B552-607D-CDD3-D203BDDE42A5}"/>
+              </a:ext>
+            </a:extLst>
+          </p:cNvPr>
+          <p:cNvPicPr>
+            <a:picLocks noChangeAspect="1" noChangeArrowheads="1"/>
+          </p:cNvPicPr>
+          <p:nvPr/>
+        </p:nvPicPr>
+        <p:blipFill rotWithShape="1">
+          <a:blip r:embed="rId5">
+            <a:extLst>
+              <a:ext uri="{28A0092B-C50C-407E-A947-70E740481C1C}">
+                <a14:useLocalDpi xmlns:a14="http://schemas.microsoft.com/office/drawing/2010/main" val="0"/>
+              </a:ext>
+            </a:extLst>
+          </a:blip>
+          <a:srcRect b="60141"/>
+          <a:stretch/>
+        </p:blipFill>
+        <p:spPr bwMode="auto">
+          <a:xfrm>
+            <a:off x="238295" y="3650066"/>
+            <a:ext cx="3208493" cy="1773792"/>
+          </a:xfrm>
+          <a:prstGeom prst="rect">
+            <a:avLst/>
+          </a:prstGeom>
+          <a:noFill/>
+          <a:extLst>
+            <a:ext uri="{909E8E84-426E-40DD-AFC4-6F175D3DCCD1}">
+              <a14:hiddenFill xmlns:a14="http://schemas.microsoft.com/office/drawing/2010/main">
+                <a:solidFill>
+                  <a:srgbClr val="FFFFFF"/>
+                </a:solidFill>
+              </a14:hiddenFill>
+            </a:ext>
+          </a:extLst>
+        </p:spPr>
+      </p:pic>
+      <p:pic>
+        <p:nvPicPr>
+          <p:cNvPr id="1034" name="Picture 10">
+            <a:extLst>
+              <a:ext uri="{FF2B5EF4-FFF2-40B4-BE49-F238E27FC236}">
+                <a16:creationId xmlns:a16="http://schemas.microsoft.com/office/drawing/2014/main" id="{C99FE17C-8F1B-F08C-9446-F11F2BE9A065}"/>
+              </a:ext>
+            </a:extLst>
+          </p:cNvPr>
+          <p:cNvPicPr>
+            <a:picLocks noChangeAspect="1" noChangeArrowheads="1"/>
+          </p:cNvPicPr>
+          <p:nvPr/>
+        </p:nvPicPr>
+        <p:blipFill rotWithShape="1">
+          <a:blip r:embed="rId5">
+            <a:extLst>
+              <a:ext uri="{28A0092B-C50C-407E-A947-70E740481C1C}">
+                <a14:useLocalDpi xmlns:a14="http://schemas.microsoft.com/office/drawing/2010/main" val="0"/>
+              </a:ext>
+            </a:extLst>
+          </a:blip>
+          <a:srcRect t="47266" b="5585"/>
+          <a:stretch/>
+        </p:blipFill>
+        <p:spPr bwMode="auto">
+          <a:xfrm>
+            <a:off x="3614257" y="3650066"/>
+            <a:ext cx="2800193" cy="1715685"/>
+          </a:xfrm>
+          <a:prstGeom prst="rect">
+            <a:avLst/>
+          </a:prstGeom>
+          <a:noFill/>
+          <a:extLst>
+            <a:ext uri="{909E8E84-426E-40DD-AFC4-6F175D3DCCD1}">
+              <a14:hiddenFill xmlns:a14="http://schemas.microsoft.com/office/drawing/2010/main">
+                <a:solidFill>
+                  <a:srgbClr val="FFFFFF"/>
+                </a:solidFill>
+              </a14:hiddenFill>
+            </a:ext>
+          </a:extLst>
+        </p:spPr>
+      </p:pic>
+      <p:sp>
+        <p:nvSpPr>
+          <p:cNvPr id="5" name="矩形 4">
+            <a:extLst>
+              <a:ext uri="{FF2B5EF4-FFF2-40B4-BE49-F238E27FC236}">
+                <a16:creationId xmlns:a16="http://schemas.microsoft.com/office/drawing/2014/main" id="{61ED9F09-3C50-E20B-3BB0-4D47408FA711}"/>
+              </a:ext>
+            </a:extLst>
+          </p:cNvPr>
+          <p:cNvSpPr/>
+          <p:nvPr/>
+        </p:nvSpPr>
+        <p:spPr>
+          <a:xfrm>
+            <a:off x="177800" y="88900"/>
+            <a:ext cx="6404120" cy="5334958"/>
+          </a:xfrm>
+          <a:prstGeom prst="rect">
+            <a:avLst/>
+          </a:prstGeom>
+          <a:noFill/>
+          <a:ln w="38100">
+            <a:solidFill>
+              <a:schemeClr val="tx1"/>
+            </a:solidFill>
+          </a:ln>
+        </p:spPr>
+        <p:style>
+          <a:lnRef idx="2">
+            <a:schemeClr val="accent1">
+              <a:shade val="50000"/>
+            </a:schemeClr>
+          </a:lnRef>
+          <a:fillRef idx="1">
+            <a:schemeClr val="accent1"/>
+          </a:fillRef>
+          <a:effectRef idx="0">
+            <a:schemeClr val="accent1"/>
+          </a:effectRef>
+          <a:fontRef idx="minor">
+            <a:schemeClr val="lt1"/>
+          </a:fontRef>
+        </p:style>
+        <p:txBody>
+          <a:bodyPr rtlCol="0" anchor="ctr"/>
+          <a:lstStyle/>
+          <a:p>
+            <a:pPr algn="ctr"/>
+            <a:endParaRPr lang="zh-CN" altLang="en-US"/>
+          </a:p>
+        </p:txBody>
+      </p:sp>
+      <p:cxnSp>
+        <p:nvCxnSpPr>
+          <p:cNvPr id="7" name="直接连接符 6">
+            <a:extLst>
+              <a:ext uri="{FF2B5EF4-FFF2-40B4-BE49-F238E27FC236}">
+                <a16:creationId xmlns:a16="http://schemas.microsoft.com/office/drawing/2014/main" id="{EDB4ECCB-63A3-B168-A19B-0D91C561D08F}"/>
+              </a:ext>
+            </a:extLst>
+          </p:cNvPr>
+          <p:cNvCxnSpPr>
+            <a:cxnSpLocks/>
+          </p:cNvCxnSpPr>
+          <p:nvPr/>
+        </p:nvCxnSpPr>
+        <p:spPr>
+          <a:xfrm>
+            <a:off x="185737" y="1282282"/>
+            <a:ext cx="6404120" cy="0"/>
+          </a:xfrm>
+          <a:prstGeom prst="line">
+            <a:avLst/>
+          </a:prstGeom>
+          <a:ln w="38100">
+            <a:solidFill>
+              <a:schemeClr val="tx1"/>
+            </a:solidFill>
+          </a:ln>
+        </p:spPr>
+        <p:style>
+          <a:lnRef idx="1">
+            <a:schemeClr val="accent1"/>
+          </a:lnRef>
+          <a:fillRef idx="0">
+            <a:schemeClr val="accent1"/>
+          </a:fillRef>
+          <a:effectRef idx="0">
+            <a:schemeClr val="accent1"/>
+          </a:effectRef>
+          <a:fontRef idx="minor">
+            <a:schemeClr val="tx1"/>
+          </a:fontRef>
+        </p:style>
+      </p:cxnSp>
+      <p:cxnSp>
+        <p:nvCxnSpPr>
+          <p:cNvPr id="14" name="直接连接符 13">
+            <a:extLst>
+              <a:ext uri="{FF2B5EF4-FFF2-40B4-BE49-F238E27FC236}">
+                <a16:creationId xmlns:a16="http://schemas.microsoft.com/office/drawing/2014/main" id="{4455D1FB-1C11-E81A-5C94-8DB91DAC5BB9}"/>
+              </a:ext>
+            </a:extLst>
+          </p:cNvPr>
+          <p:cNvCxnSpPr>
+            <a:cxnSpLocks/>
+          </p:cNvCxnSpPr>
+          <p:nvPr/>
+        </p:nvCxnSpPr>
+        <p:spPr>
+          <a:xfrm>
+            <a:off x="177800" y="3635777"/>
+            <a:ext cx="6404120" cy="0"/>
+          </a:xfrm>
+          <a:prstGeom prst="line">
+            <a:avLst/>
+          </a:prstGeom>
+          <a:ln w="38100">
+            <a:solidFill>
+              <a:schemeClr val="tx1"/>
+            </a:solidFill>
+          </a:ln>
+        </p:spPr>
+        <p:style>
+          <a:lnRef idx="1">
+            <a:schemeClr val="accent1"/>
+          </a:lnRef>
+          <a:fillRef idx="0">
+            <a:schemeClr val="accent1"/>
+          </a:fillRef>
+          <a:effectRef idx="0">
+            <a:schemeClr val="accent1"/>
+          </a:effectRef>
+          <a:fontRef idx="minor">
+            <a:schemeClr val="tx1"/>
+          </a:fontRef>
+        </p:style>
+      </p:cxnSp>
+      <p:cxnSp>
+        <p:nvCxnSpPr>
+          <p:cNvPr id="15" name="直接连接符 14">
+            <a:extLst>
+              <a:ext uri="{FF2B5EF4-FFF2-40B4-BE49-F238E27FC236}">
+                <a16:creationId xmlns:a16="http://schemas.microsoft.com/office/drawing/2014/main" id="{0613C16B-B620-1C3F-C56C-926CED0264E0}"/>
+              </a:ext>
+            </a:extLst>
+          </p:cNvPr>
+          <p:cNvCxnSpPr>
+            <a:cxnSpLocks/>
+          </p:cNvCxnSpPr>
+          <p:nvPr/>
+        </p:nvCxnSpPr>
+        <p:spPr>
+          <a:xfrm flipV="1">
+            <a:off x="2993968" y="1282282"/>
+            <a:ext cx="0" cy="2353495"/>
+          </a:xfrm>
+          <a:prstGeom prst="line">
+            <a:avLst/>
+          </a:prstGeom>
+          <a:ln w="38100">
+            <a:solidFill>
+              <a:schemeClr val="tx1"/>
+            </a:solidFill>
+          </a:ln>
+        </p:spPr>
+        <p:style>
+          <a:lnRef idx="1">
+            <a:schemeClr val="accent1"/>
+          </a:lnRef>
+          <a:fillRef idx="0">
+            <a:schemeClr val="accent1"/>
+          </a:fillRef>
+          <a:effectRef idx="0">
+            <a:schemeClr val="accent1"/>
+          </a:effectRef>
+          <a:fontRef idx="minor">
+            <a:schemeClr val="tx1"/>
+          </a:fontRef>
+        </p:style>
+      </p:cxnSp>
+      <p:sp>
+        <p:nvSpPr>
+          <p:cNvPr id="20" name="椭圆 19">
+            <a:extLst>
+              <a:ext uri="{FF2B5EF4-FFF2-40B4-BE49-F238E27FC236}">
+                <a16:creationId xmlns:a16="http://schemas.microsoft.com/office/drawing/2014/main" id="{6AD857D4-DBC1-5EC8-6A4F-7C4683F39E11}"/>
+              </a:ext>
+            </a:extLst>
+          </p:cNvPr>
+          <p:cNvSpPr/>
+          <p:nvPr/>
+        </p:nvSpPr>
+        <p:spPr>
+          <a:xfrm>
+            <a:off x="258618" y="4989369"/>
+            <a:ext cx="376382" cy="376382"/>
+          </a:xfrm>
+          <a:prstGeom prst="ellipse">
+            <a:avLst/>
+          </a:prstGeom>
+          <a:solidFill>
+            <a:schemeClr val="bg1"/>
+          </a:solidFill>
+          <a:ln w="31750">
+            <a:solidFill>
+              <a:schemeClr val="tx1"/>
+            </a:solidFill>
+          </a:ln>
+        </p:spPr>
+        <p:style>
+          <a:lnRef idx="2">
+            <a:schemeClr val="accent1">
+              <a:shade val="50000"/>
+            </a:schemeClr>
+          </a:lnRef>
+          <a:fillRef idx="1">
+            <a:schemeClr val="accent1"/>
+          </a:fillRef>
+          <a:effectRef idx="0">
+            <a:schemeClr val="accent1"/>
+          </a:effectRef>
+          <a:fontRef idx="minor">
+            <a:schemeClr val="lt1"/>
+          </a:fontRef>
+        </p:style>
+        <p:txBody>
+          <a:bodyPr rtlCol="0" anchor="ctr"/>
+          <a:lstStyle/>
+          <a:p>
+            <a:pPr algn="ctr"/>
+            <a:r>
+              <a:rPr lang="en-US" altLang="zh-CN" sz="3200" dirty="0">
+                <a:solidFill>
+                  <a:schemeClr val="tx1"/>
+                </a:solidFill>
+              </a:rPr>
+              <a:t>4</a:t>
+            </a:r>
+            <a:endParaRPr lang="zh-CN" altLang="en-US" sz="3200" dirty="0">
+              <a:solidFill>
+                <a:schemeClr val="tx1"/>
+              </a:solidFill>
+            </a:endParaRPr>
+          </a:p>
+        </p:txBody>
+      </p:sp>
+      <p:sp>
+        <p:nvSpPr>
+          <p:cNvPr id="24" name="椭圆 23">
+            <a:extLst>
+              <a:ext uri="{FF2B5EF4-FFF2-40B4-BE49-F238E27FC236}">
+                <a16:creationId xmlns:a16="http://schemas.microsoft.com/office/drawing/2014/main" id="{3CF96448-BC79-FA5F-71FD-7F20903811C1}"/>
+              </a:ext>
+            </a:extLst>
+          </p:cNvPr>
+          <p:cNvSpPr/>
+          <p:nvPr/>
+        </p:nvSpPr>
+        <p:spPr>
+          <a:xfrm>
+            <a:off x="258618" y="3187884"/>
+            <a:ext cx="376382" cy="376382"/>
+          </a:xfrm>
+          <a:prstGeom prst="ellipse">
+            <a:avLst/>
+          </a:prstGeom>
+          <a:solidFill>
+            <a:schemeClr val="bg1"/>
+          </a:solidFill>
+          <a:ln w="31750">
+            <a:solidFill>
+              <a:schemeClr val="tx1"/>
+            </a:solidFill>
+          </a:ln>
+        </p:spPr>
+        <p:style>
+          <a:lnRef idx="2">
+            <a:schemeClr val="accent1">
+              <a:shade val="50000"/>
+            </a:schemeClr>
+          </a:lnRef>
+          <a:fillRef idx="1">
+            <a:schemeClr val="accent1"/>
+          </a:fillRef>
+          <a:effectRef idx="0">
+            <a:schemeClr val="accent1"/>
+          </a:effectRef>
+          <a:fontRef idx="minor">
+            <a:schemeClr val="lt1"/>
+          </a:fontRef>
+        </p:style>
+        <p:txBody>
+          <a:bodyPr rtlCol="0" anchor="ctr"/>
+          <a:lstStyle/>
+          <a:p>
+            <a:pPr algn="ctr"/>
+            <a:r>
+              <a:rPr lang="en-US" altLang="zh-CN" sz="3200" dirty="0">
+                <a:solidFill>
+                  <a:schemeClr val="tx1"/>
+                </a:solidFill>
+              </a:rPr>
+              <a:t>2</a:t>
+            </a:r>
+            <a:endParaRPr lang="zh-CN" altLang="en-US" sz="3200" dirty="0">
+              <a:solidFill>
+                <a:schemeClr val="tx1"/>
+              </a:solidFill>
+            </a:endParaRPr>
+          </a:p>
+        </p:txBody>
+      </p:sp>
+      <p:sp>
+        <p:nvSpPr>
+          <p:cNvPr id="25" name="椭圆 24">
+            <a:extLst>
+              <a:ext uri="{FF2B5EF4-FFF2-40B4-BE49-F238E27FC236}">
+                <a16:creationId xmlns:a16="http://schemas.microsoft.com/office/drawing/2014/main" id="{60A884AD-07C3-D7D0-A075-F96F82DE05BA}"/>
+              </a:ext>
+            </a:extLst>
+          </p:cNvPr>
+          <p:cNvSpPr/>
+          <p:nvPr/>
+        </p:nvSpPr>
+        <p:spPr>
+          <a:xfrm>
+            <a:off x="3057638" y="3194234"/>
+            <a:ext cx="376382" cy="376382"/>
+          </a:xfrm>
+          <a:prstGeom prst="ellipse">
+            <a:avLst/>
+          </a:prstGeom>
+          <a:solidFill>
+            <a:schemeClr val="bg1"/>
+          </a:solidFill>
+          <a:ln w="31750">
+            <a:solidFill>
+              <a:schemeClr val="tx1"/>
+            </a:solidFill>
+          </a:ln>
+        </p:spPr>
+        <p:style>
+          <a:lnRef idx="2">
+            <a:schemeClr val="accent1">
+              <a:shade val="50000"/>
+            </a:schemeClr>
+          </a:lnRef>
+          <a:fillRef idx="1">
+            <a:schemeClr val="accent1"/>
+          </a:fillRef>
+          <a:effectRef idx="0">
+            <a:schemeClr val="accent1"/>
+          </a:effectRef>
+          <a:fontRef idx="minor">
+            <a:schemeClr val="lt1"/>
+          </a:fontRef>
+        </p:style>
+        <p:txBody>
+          <a:bodyPr rtlCol="0" anchor="ctr"/>
+          <a:lstStyle/>
+          <a:p>
+            <a:pPr algn="ctr"/>
+            <a:r>
+              <a:rPr lang="en-US" altLang="zh-CN" sz="3200" dirty="0">
+                <a:solidFill>
+                  <a:schemeClr val="tx1"/>
+                </a:solidFill>
+              </a:rPr>
+              <a:t>3</a:t>
+            </a:r>
+            <a:endParaRPr lang="zh-CN" altLang="en-US" sz="3200" dirty="0">
+              <a:solidFill>
+                <a:schemeClr val="tx1"/>
+              </a:solidFill>
+            </a:endParaRPr>
+          </a:p>
+        </p:txBody>
+      </p:sp>
+      <p:sp>
+        <p:nvSpPr>
+          <p:cNvPr id="26" name="椭圆 25">
+            <a:extLst>
+              <a:ext uri="{FF2B5EF4-FFF2-40B4-BE49-F238E27FC236}">
+                <a16:creationId xmlns:a16="http://schemas.microsoft.com/office/drawing/2014/main" id="{0CFC9402-B212-83FF-228D-6C475A4D584B}"/>
+              </a:ext>
+            </a:extLst>
+          </p:cNvPr>
+          <p:cNvSpPr/>
+          <p:nvPr/>
+        </p:nvSpPr>
+        <p:spPr>
+          <a:xfrm>
+            <a:off x="258618" y="847793"/>
+            <a:ext cx="376382" cy="376382"/>
+          </a:xfrm>
+          <a:prstGeom prst="ellipse">
+            <a:avLst/>
+          </a:prstGeom>
+          <a:solidFill>
+            <a:schemeClr val="bg1"/>
+          </a:solidFill>
+          <a:ln w="31750">
+            <a:solidFill>
+              <a:schemeClr val="tx1"/>
+            </a:solidFill>
+          </a:ln>
+        </p:spPr>
+        <p:style>
+          <a:lnRef idx="2">
+            <a:schemeClr val="accent1">
+              <a:shade val="50000"/>
+            </a:schemeClr>
+          </a:lnRef>
+          <a:fillRef idx="1">
+            <a:schemeClr val="accent1"/>
+          </a:fillRef>
+          <a:effectRef idx="0">
+            <a:schemeClr val="accent1"/>
+          </a:effectRef>
+          <a:fontRef idx="minor">
+            <a:schemeClr val="lt1"/>
+          </a:fontRef>
+        </p:style>
+        <p:txBody>
+          <a:bodyPr rtlCol="0" anchor="ctr"/>
+          <a:lstStyle/>
+          <a:p>
+            <a:pPr algn="ctr"/>
+            <a:r>
+              <a:rPr lang="en-US" altLang="zh-CN" sz="3200" dirty="0">
+                <a:solidFill>
+                  <a:schemeClr val="tx1"/>
+                </a:solidFill>
+              </a:rPr>
+              <a:t>1</a:t>
+            </a:r>
+            <a:endParaRPr lang="zh-CN" altLang="en-US" sz="3200" dirty="0">
+              <a:solidFill>
+                <a:schemeClr val="tx1"/>
+              </a:solidFill>
+            </a:endParaRPr>
+          </a:p>
+        </p:txBody>
+      </p:sp>
+    </p:spTree>
+    <p:extLst>
+      <p:ext uri="{BB962C8B-B14F-4D97-AF65-F5344CB8AC3E}">
+        <p14:creationId xmlns:p14="http://schemas.microsoft.com/office/powerpoint/2010/main" val="2240600371"/>
+      </p:ext>
+    </p:extLst>
+  </p:cSld>
+  <p:clrMapOvr>
+    <a:masterClrMapping/>
+  </p:clrMapOvr>
+</p:sld>
+</file>
+
 <file path=ppt/theme/theme1.xml><?xml version="1.0" encoding="utf-8"?>
 <a:theme xmlns:a="http://schemas.openxmlformats.org/drawingml/2006/main" name="Office 主题​​">
   <a:themeElements>
-    <a:clrScheme name="Office">
+    <a:clrScheme name="Office 主题​​">
       <a:dk1>
         <a:sysClr val="windowText" lastClr="000000"/>
       </a:dk1>
@@ -3576,9 +3976,9 @@
         <a:srgbClr val="954F72"/>
       </a:folHlink>
     </a:clrScheme>
-    <a:fontScheme name="Office">
+    <a:fontScheme name="Office 主题​​">
       <a:majorFont>
-        <a:latin typeface="等线 Light" panose="020F0302020204030204"/>
+        <a:latin typeface="Calibri Light" panose="020F0302020204030204"/>
         <a:ea typeface=""/>
         <a:cs typeface=""/>
         <a:font script="Jpan" typeface="游ゴシック Light"/>
@@ -3611,26 +4011,9 @@
         <a:font script="Viet" typeface="Times New Roman"/>
         <a:font script="Uigh" typeface="Microsoft Uighur"/>
         <a:font script="Geor" typeface="Sylfaen"/>
-        <a:font script="Armn" typeface="Arial"/>
-        <a:font script="Bugi" typeface="Leelawadee UI"/>
-        <a:font script="Bopo" typeface="Microsoft JhengHei"/>
-        <a:font script="Java" typeface="Javanese Text"/>
-        <a:font script="Lisu" typeface="Segoe UI"/>
-        <a:font script="Mymr" typeface="Myanmar Text"/>
-        <a:font script="Nkoo" typeface="Ebrima"/>
-        <a:font script="Olck" typeface="Nirmala UI"/>
-        <a:font script="Osma" typeface="Ebrima"/>
-        <a:font script="Phag" typeface="Phagspa"/>
-        <a:font script="Syrn" typeface="Estrangelo Edessa"/>
-        <a:font script="Syrj" typeface="Estrangelo Edessa"/>
-        <a:font script="Syre" typeface="Estrangelo Edessa"/>
-        <a:font script="Sora" typeface="Nirmala UI"/>
-        <a:font script="Tale" typeface="Microsoft Tai Le"/>
-        <a:font script="Talu" typeface="Microsoft New Tai Lue"/>
-        <a:font script="Tfng" typeface="Ebrima"/>
       </a:majorFont>
       <a:minorFont>
-        <a:latin typeface="等线" panose="020F0502020204030204"/>
+        <a:latin typeface="Calibri" panose="020F0502020204030204"/>
         <a:ea typeface=""/>
         <a:cs typeface=""/>
         <a:font script="Jpan" typeface="游ゴシック"/>
@@ -3663,26 +4046,9 @@
         <a:font script="Viet" typeface="Arial"/>
         <a:font script="Uigh" typeface="Microsoft Uighur"/>
         <a:font script="Geor" typeface="Sylfaen"/>
-        <a:font script="Armn" typeface="Arial"/>
-        <a:font script="Bugi" typeface="Leelawadee UI"/>
-        <a:font script="Bopo" typeface="Microsoft JhengHei"/>
-        <a:font script="Java" typeface="Javanese Text"/>
-        <a:font script="Lisu" typeface="Segoe UI"/>
-        <a:font script="Mymr" typeface="Myanmar Text"/>
-        <a:font script="Nkoo" typeface="Ebrima"/>
-        <a:font script="Olck" typeface="Nirmala UI"/>
-        <a:font script="Osma" typeface="Ebrima"/>
-        <a:font script="Phag" typeface="Phagspa"/>
-        <a:font script="Syrn" typeface="Estrangelo Edessa"/>
-        <a:font script="Syrj" typeface="Estrangelo Edessa"/>
-        <a:font script="Syre" typeface="Estrangelo Edessa"/>
-        <a:font script="Sora" typeface="Nirmala UI"/>
-        <a:font script="Tale" typeface="Microsoft Tai Le"/>
-        <a:font script="Talu" typeface="Microsoft New Tai Lue"/>
-        <a:font script="Tfng" typeface="Ebrima"/>
       </a:minorFont>
     </a:fontScheme>
-    <a:fmtScheme name="Office">
+    <a:fmtScheme name="Office 主题​​">
       <a:fillStyleLst>
         <a:solidFill>
           <a:schemeClr val="phClr"/>
